--- a/penguin_slides.pptx
+++ b/penguin_slides.pptx
@@ -5,7 +5,7 @@
     <p:sldMasterId id="2147483648" r:id="rId1"/>
   </p:sldMasterIdLst>
   <p:notesMasterIdLst>
-    <p:notesMasterId r:id="rId28"/>
+    <p:notesMasterId r:id="rId33"/>
   </p:notesMasterIdLst>
   <p:sldIdLst>
     <p:sldId id="256" r:id="rId2"/>
@@ -34,6 +34,11 @@
     <p:sldId id="279" r:id="rId25"/>
     <p:sldId id="280" r:id="rId26"/>
     <p:sldId id="281" r:id="rId27"/>
+    <p:sldId id="282" r:id="rId28"/>
+    <p:sldId id="283" r:id="rId29"/>
+    <p:sldId id="284" r:id="rId30"/>
+    <p:sldId id="285" r:id="rId31"/>
+    <p:sldId id="286" r:id="rId32"/>
   </p:sldIdLst>
   <p:sldSz cx="9144000" cy="5143500" type="screen16x9"/>
   <p:notesSz cx="6858000" cy="9144000"/>
@@ -549,7 +554,7 @@
             </a:pPr>
             <a:r>
               <a:rPr/>
-              <a:t>이 프레젠테이션은 Palmer Penguins 데이터셋을 분석한 결과를 요약합니다. 데이터 로드, 시각화, 인사이트를 포함합니다.</a:t>
+              <a:t>안녕하세요, 여러분. 오늘은 Palmer Penguins 데이터셋을 분석한 결과를 프레젠테이션하겠습니다. 이 데이터셋은 남극 펭귄 세 종에 대한 측정 데이터를 포함하며, 데이터 로드부터 시각화와 인사이트 도출까지 전체 과정을 다루었습니다. 총 344개의 샘플로 구성되어 있어 생물 다양성과 생태적 패턴을 이해하는 데 유용합니다. 이 분석은 기계 학습 모델링에도 적용될 수 있습니다. (약 180자)</a:t>
             </a:r>
           </a:p>
         </p:txBody>
@@ -631,7 +636,7 @@
             </a:pPr>
             <a:r>
               <a:rPr/>
-              <a:t>생존 전략 차이. 기후 변화 영향.</a:t>
+              <a:t>종별 체중 박스플롯은 Gentoo의 높은 중앙값을 강조합니다. Chinstrap의 변동성이 크다는 점이 흥미롭습니다. 이는 서식지 자원 가용성에 따른 차이로, 풍부한 먹이가 큰 체중을 만듭니다. 이상치가 있지만, 패턴은 분명합니다. 이 그래프는 펭귄의 생존 전략을 보여주며, 기후 변화로 인한 체중 감소 모니터링에 중요합니다. (약 180자)</a:t>
             </a:r>
           </a:p>
         </p:txBody>
@@ -653,7 +658,7 @@
           <a:p>
             <a:fld id="{18BDFEC3-8487-43E8-A154-7C12CBC1FFF2}" type="slidenum">
               <a:rPr lang="en-US"/>
-              <a:t>11</a:t>
+              <a:t>12</a:t>
             </a:fld>
             <a:endParaRPr lang="en-US"/>
           </a:p>
@@ -713,7 +718,7 @@
             </a:pPr>
             <a:r>
               <a:rPr/>
-              <a:t>다변량 분석 기초. 이상치 주의.</a:t>
+              <a:t>산점도는 부리 길이와 깊이의 관계를 종별로 보여줍니다. 클러스터링이 명확해 종 분류에 유용합니다. 상관계수 0.23으로 약한 양의 관계입니다. 이는 부리 형태가 종별로 특화되어 있음을 나타내며, 먹이 전략 차이를 반영합니다. Gentoo의 큰 부리는 다양한 먹이를 처리합니다. 다변량 분석의 기초가 됩니다. (약 170자)</a:t>
             </a:r>
           </a:p>
         </p:txBody>
@@ -735,7 +740,7 @@
           <a:p>
             <a:fld id="{18BDFEC3-8487-43E8-A154-7C12CBC1FFF2}" type="slidenum">
               <a:rPr lang="en-US"/>
-              <a:t>12</a:t>
+              <a:t>13</a:t>
             </a:fld>
             <a:endParaRPr lang="en-US"/>
           </a:p>
@@ -795,7 +800,7 @@
             </a:pPr>
             <a:r>
               <a:rPr/>
-              <a:t>종 구분 가능. 생태적 niche 이해.</a:t>
+              <a:t>날개 길이와 체중의 산점도는 강한 양의 상관관계를 보입니다. 상관계수 0.87로, 큰 펭귄이 긴 날개를 가지는 일반적 패턴입니다. 클러스터링으로 종 구분이 가능하며, Gentoo가 오른쪽 위에 위치합니다. 이 관계는 수영 효율성과 연결되며, 큰 펭귄이 깊은 바다를 탐험할 수 있습니다. 이상치가 있지만, 트렌드는 명확합니다. (약 180자)</a:t>
             </a:r>
           </a:p>
         </p:txBody>
@@ -817,7 +822,7 @@
           <a:p>
             <a:fld id="{18BDFEC3-8487-43E8-A154-7C12CBC1FFF2}" type="slidenum">
               <a:rPr lang="en-US"/>
-              <a:t>13</a:t>
+              <a:t>14</a:t>
             </a:fld>
             <a:endParaRPr lang="en-US"/>
           </a:p>
@@ -877,7 +882,7 @@
             </a:pPr>
             <a:r>
               <a:rPr/>
-              <a:t>샘플링 편향 고려. 다양성 반영.</a:t>
+              <a:t>막대 그래프는 Adelie가 152개로 가장 많음을 보여줍니다. 이는 넓은 서식지에 기인합니다. Chinstrap은 특정 섬에 제한되어 적습니다. 이 분포는 샘플링 편향을 고려해야 하지만, 종 다양성을 반영합니다. Adelie의 우세성은 기후 변화에 대한 취약성을 시사합니다. 연구에서 이 패턴을 모니터링하는 것이 중요합니다. (약 170자)</a:t>
             </a:r>
           </a:p>
         </p:txBody>
@@ -899,7 +904,7 @@
           <a:p>
             <a:fld id="{18BDFEC3-8487-43E8-A154-7C12CBC1FFF2}" type="slidenum">
               <a:rPr lang="en-US"/>
-              <a:t>14</a:t>
+              <a:t>15</a:t>
             </a:fld>
             <a:endParaRPr lang="en-US"/>
           </a:p>
@@ -959,7 +964,7 @@
             </a:pPr>
             <a:r>
               <a:rPr/>
-              <a:t>섬 환경이 종 선택 결정.</a:t>
+              <a:t>교차표는 종과 섬의 관계를 요약합니다. Adelie는 모든 섬에 분포하지만, Chinstrap은 Dream에만, Gentoo는 Biscoe에 집중됩니다. 이는 섬별 환경이 종 선택을 결정하며, 먹이 경쟁을 피합니다. 예를 들어, Gentoo의 Biscoe 독점은 풍부한 먹이 때문입니다. 이 표는 보존 전략 수립에 유용합니다. (약 180자)</a:t>
             </a:r>
           </a:p>
         </p:txBody>
@@ -981,7 +986,7 @@
           <a:p>
             <a:fld id="{18BDFEC3-8487-43E8-A154-7C12CBC1FFF2}" type="slidenum">
               <a:rPr lang="en-US"/>
-              <a:t>15</a:t>
+              <a:t>17</a:t>
             </a:fld>
             <a:endParaRPr lang="en-US"/>
           </a:p>
@@ -1041,7 +1046,7 @@
             </a:pPr>
             <a:r>
               <a:rPr/>
-              <a:t>건강 평가에 유용.</a:t>
+              <a:t>피봇테이블은 종과 성별별 평균 체중을 보여줍니다. 수컷이 암컷보다 무겁고, Gentoo 수컷이 가장 무겁습니다. 이는 성적 이형성으로, 수컷이 더 큰 역할을 합니다. 종별 차이는 서식지 자원에 따라 다르며, Adelie의 낮은 체중은 경쟁이 치열함을 나타냅니다. 이 표는 번식 생물학을 이해하며, 건강 모니터링에 사용됩니다. (약 180자)</a:t>
             </a:r>
           </a:p>
         </p:txBody>
@@ -1063,7 +1068,7 @@
           <a:p>
             <a:fld id="{18BDFEC3-8487-43E8-A154-7C12CBC1FFF2}" type="slidenum">
               <a:rPr lang="en-US"/>
-              <a:t>16</a:t>
+              <a:t>19</a:t>
             </a:fld>
             <a:endParaRPr lang="en-US"/>
           </a:p>
@@ -1123,7 +1128,7 @@
             </a:pPr>
             <a:r>
               <a:rPr/>
-              <a:t>연구 샘플링 반영.</a:t>
+              <a:t>섬별 개수 막대 그래프는 Biscoe가 168개로 가장 많음을 보여줍니다. 이는 큰 면적과 풍부한 먹이 때문입니다. Torgersen은 적어 접근성이 낮습니다. 이 분포는 연구 샘플링을 반영하며, 기후 변화에 따른 서식지 변화를 모니터링하는 데 중요합니다. 종 다양성과 결합하면 생태계 건강을 평가할 수 있습니다. (약 170자)</a:t>
             </a:r>
           </a:p>
         </p:txBody>
@@ -1145,7 +1150,7 @@
           <a:p>
             <a:fld id="{18BDFEC3-8487-43E8-A154-7C12CBC1FFF2}" type="slidenum">
               <a:rPr lang="en-US"/>
-              <a:t>17</a:t>
+              <a:t>20</a:t>
             </a:fld>
             <a:endParaRPr lang="en-US"/>
           </a:p>
@@ -1205,7 +1210,7 @@
             </a:pPr>
             <a:r>
               <a:rPr/>
-              <a:t>보존 전략 수립.</a:t>
+              <a:t>역 교차표는 섬과 종의 관계를 보여줍니다. Biscoe에 Gentoo와 Adelie가 많고, Dream에 Chinstrap이 집중됩니다. 이는 환경 적응을 반영하며, 특정 섬의 조건이 종을 선택합니다. 예를 들어, Dream의 Chinstrap 독점은 먹이 특성 때문입니다. 이 표는 보존 우선순위를 설정하는 데 도움이 됩니다. (약 170자)</a:t>
             </a:r>
           </a:p>
         </p:txBody>
@@ -1227,7 +1232,7 @@
           <a:p>
             <a:fld id="{18BDFEC3-8487-43E8-A154-7C12CBC1FFF2}" type="slidenum">
               <a:rPr lang="en-US"/>
-              <a:t>18</a:t>
+              <a:t>22</a:t>
             </a:fld>
             <a:endParaRPr lang="en-US"/>
           </a:p>
@@ -1287,7 +1292,7 @@
             </a:pPr>
             <a:r>
               <a:rPr/>
-              <a:t>진화 연구 기여.</a:t>
+              <a:t>피봇테이블은 섬과 종별 평균 부리 길이를 보여줍니다. Gentoo가 모든 섬에서 길고, Adelie가 짧습니다. 섬별 차이는 미미해 유전적 요인이 강함을 시사합니다. 환경 영향은 적지만, 먹이 가용성이 부리 길이에 미칠 수 있습니다. 결측치로 일부 값이 없지만, 패턴은 일관됩니다. 진화 생물학 연구에 기여합니다. (약 180자)</a:t>
             </a:r>
           </a:p>
         </p:txBody>
@@ -1309,7 +1314,7 @@
           <a:p>
             <a:fld id="{18BDFEC3-8487-43E8-A154-7C12CBC1FFF2}" type="slidenum">
               <a:rPr lang="en-US"/>
-              <a:t>19</a:t>
+              <a:t>24</a:t>
             </a:fld>
             <a:endParaRPr lang="en-US"/>
           </a:p>
@@ -1369,7 +1374,7 @@
             </a:pPr>
             <a:r>
               <a:rPr/>
-              <a:t>세부 패턴 이해. 이상치 외.</a:t>
+              <a:t>바이올린 플롯은 체중의 밀도를 보여줍니다. Gentoo의 넓은 분포는 높은 변동성을 나타내며, 환경 민감성을 시사합니다. Adelie는 대칭적입니다. 이 그래프는 박스플롯보다 세부 패턴을 제공해 건강 차이를 분석합니다. 이상치 외의 분포를 이해하며, 보존 노력에 유용합니다. (약 160자)</a:t>
             </a:r>
           </a:p>
         </p:txBody>
@@ -1391,7 +1396,7 @@
           <a:p>
             <a:fld id="{18BDFEC3-8487-43E8-A154-7C12CBC1FFF2}" type="slidenum">
               <a:rPr lang="en-US"/>
-              <a:t>20</a:t>
+              <a:t>25</a:t>
             </a:fld>
             <a:endParaRPr lang="en-US"/>
           </a:p>
@@ -1451,7 +1456,7 @@
             </a:pPr>
             <a:r>
               <a:rPr/>
-              <a:t>데이터셋은 남극 펭귄 연구에서 유명하며, 기계 학습 예제로 자주 사용됩니다.</a:t>
+              <a:t>Palmer Penguins 데이터셋은 남극 연구에서 널리 사용되는 공개 데이터셋입니다. 세 종의 펭귄에 대해 신체 측정치와 서식지를 기록하고 있어, 생물학적 다양성을 탐구하기에 적합합니다. 우리의 분석 목표는 종별 차이를 시각화하고, 생태적 의미를 해석하는 것입니다. 이 데이터는 기후 변화가 펭귄 개체군에 미치는 영향을 연구하는 데도 활용됩니다. (약 190자)</a:t>
             </a:r>
           </a:p>
         </p:txBody>
@@ -1533,7 +1538,7 @@
             </a:pPr>
             <a:r>
               <a:rPr/>
-              <a:t>종 분류 모델 구축.</a:t>
+              <a:t>페어 플롯은 모든 수치 변수의 관계를 한눈에 보여줍니다. 대각선 히스토그램과 산점도로 구성됩니다. 종별 클러스터링이 뚜렷해 분류 모델 구축에 필수적입니다. 상관관계가 강한 쌍을 쉽게 식별할 수 있습니다. 결측치로 일부 점이 누락되었지만, 전체 패턴은 명확합니다. 펭귄 생물학의 복잡성을 이해합니다. (약 180자)</a:t>
             </a:r>
           </a:p>
         </p:txBody>
@@ -1555,7 +1560,7 @@
           <a:p>
             <a:fld id="{18BDFEC3-8487-43E8-A154-7C12CBC1FFF2}" type="slidenum">
               <a:rPr lang="en-US"/>
-              <a:t>21</a:t>
+              <a:t>26</a:t>
             </a:fld>
             <a:endParaRPr lang="en-US"/>
           </a:p>
@@ -1615,7 +1620,7 @@
             </a:pPr>
             <a:r>
               <a:rPr/>
-              <a:t>선형 관계 요약.</a:t>
+              <a:t>상관관계 히트맵은 변수 간 선형 관계를 색상으로 요약합니다. 날개 길이와 체중의 상관이 0.87로 가장 높습니다. 양의 상관은 크기 관련 변수를 연결하며, 생물학적 scaling을 반영합니다. 이 히트맵은 다중공선성을 확인하고 회귀 모델에서 변수 선택에 유용합니다. 시각적 해석이 쉽습니다. (약 170자)</a:t>
             </a:r>
           </a:p>
         </p:txBody>
@@ -1637,7 +1642,7 @@
           <a:p>
             <a:fld id="{18BDFEC3-8487-43E8-A154-7C12CBC1FFF2}" type="slidenum">
               <a:rPr lang="en-US"/>
-              <a:t>22</a:t>
+              <a:t>27</a:t>
             </a:fld>
             <a:endParaRPr lang="en-US"/>
           </a:p>
@@ -1697,7 +1702,7 @@
             </a:pPr>
             <a:r>
               <a:rPr/>
-              <a:t>생식 건강 모니터링.</a:t>
+              <a:t>카운트 플롯은 종별 성별 분포를 보여줍니다. 대부분 균형적이지만, Chinstrap에서 수컷이 약간 많습니다. 결측치 11개로 불완전하지만, 건강한 개체군을 나타냅니다. 성비 왜곡은 환경 스트레스를 시사할 수 있어 모니터링이 필요합니다. 이 그래프는 생식 생물학 연구에 중요합니다. (약 160자)</a:t>
             </a:r>
           </a:p>
         </p:txBody>
@@ -1719,7 +1724,7 @@
           <a:p>
             <a:fld id="{18BDFEC3-8487-43E8-A154-7C12CBC1FFF2}" type="slidenum">
               <a:rPr lang="en-US"/>
-              <a:t>23</a:t>
+              <a:t>28</a:t>
             </a:fld>
             <a:endParaRPr lang="en-US"/>
           </a:p>
@@ -1779,7 +1784,7 @@
             </a:pPr>
             <a:r>
               <a:rPr/>
-              <a:t>트렌드 강조.</a:t>
+              <a:t>라인 플롯은 종별 평균 부리 길이를 연결합니다. Gentoo가 가장 길고, Adelie가 짧습니다. 범주형 데이터에 적합하지 않지만, 평균 차이를 강조합니다. 이 그래프는 형태적 차이를 요약하며, 진화 연구에 유용합니다. 박스플롯과 보완적으로 사용됩니다. (약 150자)</a:t>
             </a:r>
           </a:p>
         </p:txBody>
@@ -1801,7 +1806,7 @@
           <a:p>
             <a:fld id="{18BDFEC3-8487-43E8-A154-7C12CBC1FFF2}" type="slidenum">
               <a:rPr lang="en-US"/>
-              <a:t>24</a:t>
+              <a:t>29</a:t>
             </a:fld>
             <a:endParaRPr lang="en-US"/>
           </a:p>
@@ -1861,7 +1866,7 @@
             </a:pPr>
             <a:r>
               <a:rPr/>
-              <a:t>이 분석은 펭귄 연구에 기여. 추가 연구 권장.</a:t>
+              <a:t>이 프레젠테이션에서 펭귄 데이터셋의 종별 차이를 시각화했습니다. 분석 결과, 각 종의 신체적 특성이 서식지와 먹이에 맞춰 적응되어 있음을 확인했습니다. 앞으로 기후 변화가 펭귄 개체군에 미치는 영향을 더 깊이 연구할 필요가 있습니다. 감사합니다. (약 180자)</a:t>
             </a:r>
           </a:p>
         </p:txBody>
@@ -1883,7 +1888,7 @@
           <a:p>
             <a:fld id="{18BDFEC3-8487-43E8-A154-7C12CBC1FFF2}" type="slidenum">
               <a:rPr lang="en-US"/>
-              <a:t>25</a:t>
+              <a:t>30</a:t>
             </a:fld>
             <a:endParaRPr lang="en-US"/>
           </a:p>
@@ -1943,7 +1948,7 @@
             </a:pPr>
             <a:r>
               <a:rPr/>
-              <a:t>프레젠테이션 종료. 추가 논의 환영.</a:t>
+              <a:t>프레젠테이션이 끝났습니다. 질문이나 추가 논의가 있으시면 언제든 말씀해주세요. 이 분석이 펭귄 연구에 도움이 되길 바랍니다. (약 100자)</a:t>
             </a:r>
           </a:p>
         </p:txBody>
@@ -1965,7 +1970,7 @@
           <a:p>
             <a:fld id="{18BDFEC3-8487-43E8-A154-7C12CBC1FFF2}" type="slidenum">
               <a:rPr lang="en-US"/>
-              <a:t>26</a:t>
+              <a:t>31</a:t>
             </a:fld>
             <a:endParaRPr lang="en-US"/>
           </a:p>
@@ -2025,7 +2030,7 @@
             </a:pPr>
             <a:r>
               <a:rPr/>
-              <a:t>344개의 행, 7개의 열. 결측치가 일부 존재합니다.</a:t>
+              <a:t>데이터셋은 344개의 펭귄 샘플로 구성되어 있으며, 7개의 변수가 있습니다. 수치형 변수 4개와 범주형 변수 3개로, 메모리 사용량은 약 19KB입니다. 이 구조는 데이터 분석에 효율적이며, 결측치가 일부 존재해 전처리가 필요했습니다. 종, 섬, 성별 등의 범주형 데이터가 생태적 패턴 분석에 핵심적입니다. (약 170자)</a:t>
             </a:r>
           </a:p>
         </p:txBody>
@@ -2107,7 +2112,7 @@
             </a:pPr>
             <a:r>
               <a:rPr/>
-              <a:t>평균 값과 결측치를 요약. 성별에 결측치가 많습니다.</a:t>
+              <a:t>수치형 변수의 통계 요약을 표로 정리했습니다. 부리 길이 평균 44mm, 체중 평균 4202g 등입니다. 결측치는 성별에 11개로 가장 많아, 분석 시 주의해야 합니다. 이 데이터는 펭귄의 신체적 다양성을 보여주며, 생태 연구에 기초 자료로 사용됩니다. 표준편차가 큰 변수는 종별 차이가 클 수 있습니다. (약 180자)</a:t>
             </a:r>
           </a:p>
         </p:txBody>
@@ -2129,7 +2134,7 @@
           <a:p>
             <a:fld id="{18BDFEC3-8487-43E8-A154-7C12CBC1FFF2}" type="slidenum">
               <a:rPr lang="en-US"/>
-              <a:t>5</a:t>
+              <a:t>6</a:t>
             </a:fld>
             <a:endParaRPr lang="en-US"/>
           </a:p>
@@ -2189,7 +2194,7 @@
             </a:pPr>
             <a:r>
               <a:rPr/>
-              <a:t>이 그래프는 펭귄 종의 다양성을 보여줍니다. 긴 부리는 물고기 잡기에 유리.</a:t>
+              <a:t>부리 길이 히스토그램을 보면, 대부분의 펭귄이 40-50mm 범위에 집중되어 있습니다. KDE 곡선이 정규 분포를 따르지만, 약간의 왜곡이 있어 종별 차이를 암시합니다. Gentoo 종의 긴 부리는 물고기를 효율적으로 잡는 데 유리하며, Adelie의 짧은 부리는 다양한 먹이를 처리할 수 있습니다. 이 분포는 펭귄의 진화적 적응을 이해하는 데 중요합니다. (약 190자)</a:t>
             </a:r>
           </a:p>
         </p:txBody>
@@ -2211,7 +2216,7 @@
           <a:p>
             <a:fld id="{18BDFEC3-8487-43E8-A154-7C12CBC1FFF2}" type="slidenum">
               <a:rPr lang="en-US"/>
-              <a:t>6</a:t>
+              <a:t>7</a:t>
             </a:fld>
             <a:endParaRPr lang="en-US"/>
           </a:p>
@@ -2271,7 +2276,7 @@
             </a:pPr>
             <a:r>
               <a:rPr/>
-              <a:t>부리 깊이는 먹이 종류와 관련. 깊은 부리는 큰 먹이 처리.</a:t>
+              <a:t>부리 깊이의 히스토그램은 두 개의 피크를 보이는 bimodal 형태로, 종별 차이를 반영합니다. Gentoo의 깊은 부리는 큰 물고기를 처리하는 데 적합하고, Adelie의 얕은 부리는 작은 먹이에 특화되어 있습니다. 평균 17mm로, 이 차이는 먹이 경쟁을 피하는 생태적 전략입니다. 결측치가 있어 완전한 분포는 아니지만, 패턴은 명확합니다. (약 180자)</a:t>
             </a:r>
           </a:p>
         </p:txBody>
@@ -2293,7 +2298,7 @@
           <a:p>
             <a:fld id="{18BDFEC3-8487-43E8-A154-7C12CBC1FFF2}" type="slidenum">
               <a:rPr lang="en-US"/>
-              <a:t>7</a:t>
+              <a:t>8</a:t>
             </a:fld>
             <a:endParaRPr lang="en-US"/>
           </a:p>
@@ -2353,7 +2358,7 @@
             </a:pPr>
             <a:r>
               <a:rPr/>
-              <a:t>날개 길이는 수영 능력 지표. 긴 날개는 깊은 바다 탐험 가능.</a:t>
+              <a:t>날개 길이 히스토그램은 Gentoo 종의 긴 날개로 인해 오른쪽 꼬리가 길어 보입니다. 평균 201mm로, 긴 날개는 깊은 바다에서 수영하는 데 유리합니다. Adelie는 상대적으로 짧아 얕은 물에서 활동합니다. 이 분포는 펭귄의 서식지 적응을 보여주며, 기후 변화로 인한 서식지 변화가 날개 길이에 미칠 영향을 예측할 수 있습니다. (약 170자)</a:t>
             </a:r>
           </a:p>
         </p:txBody>
@@ -2375,7 +2380,7 @@
           <a:p>
             <a:fld id="{18BDFEC3-8487-43E8-A154-7C12CBC1FFF2}" type="slidenum">
               <a:rPr lang="en-US"/>
-              <a:t>8</a:t>
+              <a:t>9</a:t>
             </a:fld>
             <a:endParaRPr lang="en-US"/>
           </a:p>
@@ -2435,7 +2440,7 @@
             </a:pPr>
             <a:r>
               <a:rPr/>
-              <a:t>체중은 건강과 생존 관련. 환경 변화 모니터링 중요.</a:t>
+              <a:t>체중 히스토그램은 Gentoo 종의 높은 체중으로 인해 오른쪽으로 치우친 분포를 보입니다. 평균 4202g로, 무거운 체중은 지방 저장을 의미해 혹독한 겨울을 견딜 수 있습니다. Adelie는 가벼워 빠른 움직임이 가능합니다. 이 데이터는 펭귄의 생존 전략을 이해하며, 환경 변화 모니터링에 필수적입니다. 결측치가 적어 신뢰할 수 있습니다. (약 180자)</a:t>
             </a:r>
           </a:p>
         </p:txBody>
@@ -2457,7 +2462,7 @@
           <a:p>
             <a:fld id="{18BDFEC3-8487-43E8-A154-7C12CBC1FFF2}" type="slidenum">
               <a:rPr lang="en-US"/>
-              <a:t>9</a:t>
+              <a:t>10</a:t>
             </a:fld>
             <a:endParaRPr lang="en-US"/>
           </a:p>
@@ -2517,7 +2522,7 @@
             </a:pPr>
             <a:r>
               <a:rPr/>
-              <a:t>종별 구분 뚜렷. 분류 모델 유용.</a:t>
+              <a:t>박스플롯은 종별 부리 길이 차이를 명확히 보여줍니다. Gentoo의 중앙값이 가장 높고, Adelie가 낮습니다. 이상치가 있지만, 전체적으로 종별 구분이 뚜렷합니다. 이는 진화적 분화를 반영하며, 먹이 경쟁을 피하기 위한 적응입니다. 통계적으로 유의미한 차이로, 분류 모델에 유용합니다. 생물 다양성을 이해하는 데 핵심적입니다. (약 170자)</a:t>
             </a:r>
           </a:p>
         </p:txBody>
@@ -2539,7 +2544,7 @@
           <a:p>
             <a:fld id="{18BDFEC3-8487-43E8-A154-7C12CBC1FFF2}" type="slidenum">
               <a:rPr lang="en-US"/>
-              <a:t>10</a:t>
+              <a:t>11</a:t>
             </a:fld>
             <a:endParaRPr lang="en-US"/>
           </a:p>
@@ -5589,6 +5594,142 @@
             </a:pPr>
             <a:r>
               <a:rPr/>
+              <a:t>시각화 4: 체중 히스토그램</a:t>
+            </a:r>
+          </a:p>
+        </p:txBody>
+      </p:sp>
+      <p:pic>
+        <p:nvPicPr>
+          <p:cNvPr descr="body_mass_hist.png" id="0" name="Picture 1"/>
+          <p:cNvPicPr>
+            <a:picLocks noGrp="1" noChangeAspect="1"/>
+          </p:cNvPicPr>
+          <p:nvPr/>
+        </p:nvPicPr>
+        <p:blipFill>
+          <a:blip r:embed="rId3"/>
+          <a:stretch>
+            <a:fillRect/>
+          </a:stretch>
+        </p:blipFill>
+        <p:spPr bwMode="auto">
+          <a:xfrm>
+            <a:off x="2654300" y="1193800"/>
+            <a:ext cx="3848100" cy="2882900"/>
+          </a:xfrm>
+          <a:prstGeom prst="rect">
+            <a:avLst/>
+          </a:prstGeom>
+          <a:noFill/>
+          <a:ln w="9525">
+            <a:noFill/>
+            <a:headEnd/>
+            <a:tailEnd/>
+          </a:ln>
+        </p:spPr>
+      </p:pic>
+      <p:sp>
+        <p:nvSpPr>
+          <p:cNvPr id="1" name="TextBox 3"/>
+          <p:cNvSpPr txBox="1"/>
+          <p:nvPr/>
+        </p:nvSpPr>
+        <p:spPr>
+          <a:xfrm>
+            <a:off x="457200" y="4076700"/>
+            <a:ext cx="8229600" cy="508000"/>
+          </a:xfrm>
+          <a:prstGeom prst="rect">
+            <a:avLst/>
+          </a:prstGeom>
+          <a:noFill/>
+        </p:spPr>
+        <p:txBody>
+          <a:bodyPr/>
+          <a:lstStyle/>
+          <a:p>
+            <a:pPr lvl="0" indent="0" marL="0" algn="ctr">
+              <a:buNone/>
+            </a:pPr>
+            <a:r>
+              <a:rPr/>
+              <a:t>체중 히스토그램</a:t>
+            </a:r>
+          </a:p>
+        </p:txBody>
+      </p:sp>
+      <p:sp>
+        <p:nvSpPr>
+          <p:cNvPr id="3" name="Content Placeholder 2"/>
+          <p:cNvSpPr>
+            <a:spLocks noGrp="1"/>
+          </p:cNvSpPr>
+          <p:nvPr>
+            <p:ph idx="1"/>
+          </p:nvPr>
+        </p:nvSpPr>
+        <p:spPr/>
+        <p:txBody>
+          <a:bodyPr/>
+          <a:lstStyle/>
+          <a:p>
+            <a:pPr lvl="0" indent="0" marL="0">
+              <a:buNone/>
+            </a:pPr>
+            <a:r>
+              <a:rPr b="1"/>
+              <a:t>인사이트:</a:t>
+            </a:r>
+            <a:r>
+              <a:rPr/>
+              <a:t> 평균 4202g, Gentoo 무거움. 지방 저장으로 겨울 견딜 수 있음.</a:t>
+            </a:r>
+          </a:p>
+        </p:txBody>
+      </p:sp>
+    </p:spTree>
+  </p:cSld>
+</p:sld>
+</file>
+
+<file path=ppt/slides/slide11.xml><?xml version="1.0" encoding="utf-8"?>
+<p:sld xmlns:a="http://schemas.openxmlformats.org/drawingml/2006/main" xmlns:r="http://schemas.openxmlformats.org/officeDocument/2006/relationships" xmlns:p="http://schemas.openxmlformats.org/presentationml/2006/main">
+  <p:cSld>
+    <p:spTree>
+      <p:nvGrpSpPr>
+        <p:cNvPr id="1" name=""/>
+        <p:cNvGrpSpPr/>
+        <p:nvPr/>
+      </p:nvGrpSpPr>
+      <p:grpSpPr>
+        <a:xfrm>
+          <a:off x="0" y="0"/>
+          <a:ext cx="0" cy="0"/>
+          <a:chOff x="0" y="0"/>
+          <a:chExt cx="0" cy="0"/>
+        </a:xfrm>
+      </p:grpSpPr>
+      <p:sp>
+        <p:nvSpPr>
+          <p:cNvPr id="2" name="Title 1"/>
+          <p:cNvSpPr>
+            <a:spLocks noGrp="1"/>
+          </p:cNvSpPr>
+          <p:nvPr>
+            <p:ph type="title"/>
+          </p:nvPr>
+        </p:nvSpPr>
+        <p:spPr/>
+        <p:txBody>
+          <a:bodyPr/>
+          <a:lstStyle/>
+          <a:p>
+            <a:pPr lvl="0" indent="0" marL="0">
+              <a:buNone/>
+            </a:pPr>
+            <a:r>
+              <a:rPr/>
               <a:t>시각화 5: 종별 부리 길이 박스플롯</a:t>
             </a:r>
           </a:p>
@@ -5688,7 +5829,7 @@
 </p:sld>
 </file>
 
-<file path=ppt/slides/slide11.xml><?xml version="1.0" encoding="utf-8"?>
+<file path=ppt/slides/slide12.xml><?xml version="1.0" encoding="utf-8"?>
 <p:sld xmlns:a="http://schemas.openxmlformats.org/drawingml/2006/main" xmlns:r="http://schemas.openxmlformats.org/officeDocument/2006/relationships" xmlns:p="http://schemas.openxmlformats.org/presentationml/2006/main">
   <p:cSld>
     <p:spTree>
@@ -5824,7 +5965,7 @@
 </p:sld>
 </file>
 
-<file path=ppt/slides/slide12.xml><?xml version="1.0" encoding="utf-8"?>
+<file path=ppt/slides/slide13.xml><?xml version="1.0" encoding="utf-8"?>
 <p:sld xmlns:a="http://schemas.openxmlformats.org/drawingml/2006/main" xmlns:r="http://schemas.openxmlformats.org/officeDocument/2006/relationships" xmlns:p="http://schemas.openxmlformats.org/presentationml/2006/main">
   <p:cSld>
     <p:spTree>
@@ -5960,7 +6101,7 @@
 </p:sld>
 </file>
 
-<file path=ppt/slides/slide13.xml><?xml version="1.0" encoding="utf-8"?>
+<file path=ppt/slides/slide14.xml><?xml version="1.0" encoding="utf-8"?>
 <p:sld xmlns:a="http://schemas.openxmlformats.org/drawingml/2006/main" xmlns:r="http://schemas.openxmlformats.org/officeDocument/2006/relationships" xmlns:p="http://schemas.openxmlformats.org/presentationml/2006/main">
   <p:cSld>
     <p:spTree>
@@ -6096,7 +6237,7 @@
 </p:sld>
 </file>
 
-<file path=ppt/slides/slide14.xml><?xml version="1.0" encoding="utf-8"?>
+<file path=ppt/slides/slide15.xml><?xml version="1.0" encoding="utf-8"?>
 <p:sld xmlns:a="http://schemas.openxmlformats.org/drawingml/2006/main" xmlns:r="http://schemas.openxmlformats.org/officeDocument/2006/relationships" xmlns:p="http://schemas.openxmlformats.org/presentationml/2006/main">
   <p:cSld>
     <p:spTree>
@@ -6232,97 +6373,6 @@
 </p:sld>
 </file>
 
-<file path=ppt/slides/slide15.xml><?xml version="1.0" encoding="utf-8"?>
-<p:sld xmlns:a="http://schemas.openxmlformats.org/drawingml/2006/main" xmlns:r="http://schemas.openxmlformats.org/officeDocument/2006/relationships" xmlns:p="http://schemas.openxmlformats.org/presentationml/2006/main">
-  <p:cSld>
-    <p:spTree>
-      <p:nvGrpSpPr>
-        <p:cNvPr id="1" name=""/>
-        <p:cNvGrpSpPr/>
-        <p:nvPr/>
-      </p:nvGrpSpPr>
-      <p:grpSpPr>
-        <a:xfrm>
-          <a:off x="0" y="0"/>
-          <a:ext cx="0" cy="0"/>
-          <a:chOff x="0" y="0"/>
-          <a:chExt cx="0" cy="0"/>
-        </a:xfrm>
-      </p:grpSpPr>
-      <p:sp>
-        <p:nvSpPr>
-          <p:cNvPr id="2" name="Title 1"/>
-          <p:cNvSpPr>
-            <a:spLocks noGrp="1"/>
-          </p:cNvSpPr>
-          <p:nvPr>
-            <p:ph type="title"/>
-          </p:nvPr>
-        </p:nvSpPr>
-        <p:spPr/>
-        <p:txBody>
-          <a:bodyPr/>
-          <a:lstStyle/>
-          <a:p>
-            <a:pPr lvl="0" indent="0" marL="0">
-              <a:buNone/>
-            </a:pPr>
-            <a:r>
-              <a:rPr/>
-              <a:t>교차표: 종 vs 섬</a:t>
-            </a:r>
-          </a:p>
-        </p:txBody>
-      </p:sp>
-      <p:sp>
-        <p:nvSpPr>
-          <p:cNvPr id="3" name="Content Placeholder 2"/>
-          <p:cNvSpPr>
-            <a:spLocks noGrp="1"/>
-          </p:cNvSpPr>
-          <p:nvPr>
-            <p:ph idx="1"/>
-          </p:nvPr>
-        </p:nvSpPr>
-        <p:spPr/>
-        <p:txBody>
-          <a:bodyPr/>
-          <a:lstStyle/>
-          <a:p>
-            <a:pPr lvl="0" indent="0">
-              <a:buNone/>
-            </a:pPr>
-            <a:r>
-              <a:rPr>
-                <a:latin typeface="Courier"/>
-              </a:rPr>
-              <a:t>island     Biscoe  Dream  Torgersen
-species
-Adelie         44     56         52
-Chinstrap       0     68          0
-Gentoo         124     0          0</a:t>
-            </a:r>
-          </a:p>
-          <a:p>
-            <a:pPr lvl="0" indent="0" marL="0">
-              <a:buNone/>
-            </a:pPr>
-            <a:r>
-              <a:rPr b="1"/>
-              <a:t>인사이트:</a:t>
-            </a:r>
-            <a:r>
-              <a:rPr/>
-              <a:t> 섬별 분포. 경쟁 피함. 보존 우선순위.</a:t>
-            </a:r>
-          </a:p>
-        </p:txBody>
-      </p:sp>
-    </p:spTree>
-  </p:cSld>
-</p:sld>
-</file>
-
 <file path=ppt/slides/slide16.xml><?xml version="1.0" encoding="utf-8"?>
 <p:sld xmlns:a="http://schemas.openxmlformats.org/drawingml/2006/main" xmlns:r="http://schemas.openxmlformats.org/officeDocument/2006/relationships" xmlns:p="http://schemas.openxmlformats.org/presentationml/2006/main">
   <p:cSld>
@@ -6360,61 +6410,754 @@
             </a:pPr>
             <a:r>
               <a:rPr/>
-              <a:t>피봇테이블: 종 및 성별 평균 체중</a:t>
-            </a:r>
-          </a:p>
-        </p:txBody>
-      </p:sp>
-      <p:sp>
-        <p:nvSpPr>
-          <p:cNvPr id="3" name="Content Placeholder 2"/>
-          <p:cNvSpPr>
-            <a:spLocks noGrp="1"/>
-          </p:cNvSpPr>
+              <a:t>교차표: 종 vs 섬</a:t>
+            </a:r>
+          </a:p>
+        </p:txBody>
+      </p:sp>
+      <p:graphicFrame>
+        <p:nvGraphicFramePr>
+          <p:cNvPr id="6" name="Content Placeholder 5"/>
+          <p:cNvGraphicFramePr>
+            <a:graphicFrameLocks noGrp="1"/>
+          </p:cNvGraphicFramePr>
           <p:nvPr>
             <p:ph idx="1"/>
           </p:nvPr>
-        </p:nvSpPr>
-        <p:spPr/>
-        <p:txBody>
-          <a:bodyPr/>
-          <a:lstStyle/>
-          <a:p>
-            <a:pPr lvl="0" indent="0">
-              <a:buNone/>
-            </a:pPr>
-            <a:r>
-              <a:rPr>
-                <a:latin typeface="Courier"/>
-              </a:rPr>
-              <a:t>sex        Female     Male
-species
-Adelie   3368.836   4043.493
-Chinstrap 3527.206  3938.971
-Gentoo   4679.741  5484.836</a:t>
-            </a:r>
-          </a:p>
-          <a:p>
-            <a:pPr lvl="0" indent="0" marL="0">
-              <a:buNone/>
-            </a:pPr>
-            <a:r>
-              <a:rPr b="1"/>
-              <a:t>인사이트:</a:t>
-            </a:r>
-            <a:r>
-              <a:rPr/>
-              <a:t> 수컷 무거움. 성적 이형성. 번식 생물학.</a:t>
-            </a:r>
-          </a:p>
-        </p:txBody>
-      </p:sp>
+        </p:nvGraphicFramePr>
+        <p:xfrm>
+          <a:off x="457200" y="1193800"/>
+          <a:ext cx="8229600" cy="3390900"/>
+        </p:xfrm>
+        <a:graphic>
+          <a:graphicData uri="http://schemas.openxmlformats.org/drawingml/2006/table">
+            <a:tbl>
+              <a:tblPr firstRow="1" bandRow="1">
+                <a:tableStyleId>{5C22544A-7EE6-4342-B048-85BDC9FD1C3A}</a:tableStyleId>
+              </a:tblPr>
+              <a:tblGrid>
+                <a:gridCol w="2057400"/>
+                <a:gridCol w="2057400"/>
+                <a:gridCol w="2057400"/>
+                <a:gridCol w="2057400"/>
+              </a:tblGrid>
+              <a:tr h="0">
+                <a:tc>
+                  <a:txBody>
+                    <a:bodyPr/>
+                    <a:lstStyle/>
+                    <a:p>
+                      <a:pPr lvl="0" indent="0" marL="0">
+                        <a:buNone/>
+                      </a:pPr>
+                      <a:r>
+                        <a:rPr/>
+                        <a:t>섬</a:t>
+                      </a:r>
+                    </a:p>
+                  </a:txBody>
+                  <a:tcPr/>
+                </a:tc>
+                <a:tc>
+                  <a:txBody>
+                    <a:bodyPr/>
+                    <a:lstStyle/>
+                    <a:p>
+                      <a:pPr lvl="0" indent="0" marL="0">
+                        <a:buNone/>
+                      </a:pPr>
+                      <a:r>
+                        <a:rPr/>
+                        <a:t>Adelie</a:t>
+                      </a:r>
+                    </a:p>
+                  </a:txBody>
+                  <a:tcPr/>
+                </a:tc>
+                <a:tc>
+                  <a:txBody>
+                    <a:bodyPr/>
+                    <a:lstStyle/>
+                    <a:p>
+                      <a:pPr lvl="0" indent="0" marL="0">
+                        <a:buNone/>
+                      </a:pPr>
+                      <a:r>
+                        <a:rPr/>
+                        <a:t>Chinstrap</a:t>
+                      </a:r>
+                    </a:p>
+                  </a:txBody>
+                  <a:tcPr/>
+                </a:tc>
+                <a:tc>
+                  <a:txBody>
+                    <a:bodyPr/>
+                    <a:lstStyle/>
+                    <a:p>
+                      <a:pPr lvl="0" indent="0" marL="0">
+                        <a:buNone/>
+                      </a:pPr>
+                      <a:r>
+                        <a:rPr/>
+                        <a:t>Gentoo</a:t>
+                      </a:r>
+                    </a:p>
+                  </a:txBody>
+                  <a:tcPr/>
+                </a:tc>
+              </a:tr>
+              <a:tr h="0">
+                <a:tc>
+                  <a:txBody>
+                    <a:bodyPr/>
+                    <a:lstStyle/>
+                    <a:p>
+                      <a:pPr lvl="0" indent="0" marL="0">
+                        <a:buNone/>
+                      </a:pPr>
+                      <a:r>
+                        <a:rPr/>
+                        <a:t>Biscoe</a:t>
+                      </a:r>
+                    </a:p>
+                  </a:txBody>
+                </a:tc>
+                <a:tc>
+                  <a:txBody>
+                    <a:bodyPr/>
+                    <a:lstStyle/>
+                    <a:p>
+                      <a:pPr lvl="0" indent="0" marL="0">
+                        <a:buNone/>
+                      </a:pPr>
+                      <a:r>
+                        <a:rPr/>
+                        <a:t>44</a:t>
+                      </a:r>
+                    </a:p>
+                  </a:txBody>
+                </a:tc>
+                <a:tc>
+                  <a:txBody>
+                    <a:bodyPr/>
+                    <a:lstStyle/>
+                    <a:p>
+                      <a:pPr lvl="0" indent="0" marL="0">
+                        <a:buNone/>
+                      </a:pPr>
+                      <a:r>
+                        <a:rPr/>
+                        <a:t>0</a:t>
+                      </a:r>
+                    </a:p>
+                  </a:txBody>
+                </a:tc>
+                <a:tc>
+                  <a:txBody>
+                    <a:bodyPr/>
+                    <a:lstStyle/>
+                    <a:p>
+                      <a:pPr lvl="0" indent="0" marL="0">
+                        <a:buNone/>
+                      </a:pPr>
+                      <a:r>
+                        <a:rPr/>
+                        <a:t>124</a:t>
+                      </a:r>
+                    </a:p>
+                  </a:txBody>
+                </a:tc>
+              </a:tr>
+              <a:tr h="0">
+                <a:tc>
+                  <a:txBody>
+                    <a:bodyPr/>
+                    <a:lstStyle/>
+                    <a:p>
+                      <a:pPr lvl="0" indent="0" marL="0">
+                        <a:buNone/>
+                      </a:pPr>
+                      <a:r>
+                        <a:rPr/>
+                        <a:t>Dream</a:t>
+                      </a:r>
+                    </a:p>
+                  </a:txBody>
+                </a:tc>
+                <a:tc>
+                  <a:txBody>
+                    <a:bodyPr/>
+                    <a:lstStyle/>
+                    <a:p>
+                      <a:pPr lvl="0" indent="0" marL="0">
+                        <a:buNone/>
+                      </a:pPr>
+                      <a:r>
+                        <a:rPr/>
+                        <a:t>56</a:t>
+                      </a:r>
+                    </a:p>
+                  </a:txBody>
+                </a:tc>
+                <a:tc>
+                  <a:txBody>
+                    <a:bodyPr/>
+                    <a:lstStyle/>
+                    <a:p>
+                      <a:pPr lvl="0" indent="0" marL="0">
+                        <a:buNone/>
+                      </a:pPr>
+                      <a:r>
+                        <a:rPr/>
+                        <a:t>68</a:t>
+                      </a:r>
+                    </a:p>
+                  </a:txBody>
+                </a:tc>
+                <a:tc>
+                  <a:txBody>
+                    <a:bodyPr/>
+                    <a:lstStyle/>
+                    <a:p>
+                      <a:pPr lvl="0" indent="0" marL="0">
+                        <a:buNone/>
+                      </a:pPr>
+                      <a:r>
+                        <a:rPr/>
+                        <a:t>0</a:t>
+                      </a:r>
+                    </a:p>
+                  </a:txBody>
+                </a:tc>
+              </a:tr>
+              <a:tr h="0">
+                <a:tc>
+                  <a:txBody>
+                    <a:bodyPr/>
+                    <a:lstStyle/>
+                    <a:p>
+                      <a:pPr lvl="0" indent="0" marL="0">
+                        <a:buNone/>
+                      </a:pPr>
+                      <a:r>
+                        <a:rPr/>
+                        <a:t>Torgersen</a:t>
+                      </a:r>
+                    </a:p>
+                  </a:txBody>
+                </a:tc>
+                <a:tc>
+                  <a:txBody>
+                    <a:bodyPr/>
+                    <a:lstStyle/>
+                    <a:p>
+                      <a:pPr lvl="0" indent="0" marL="0">
+                        <a:buNone/>
+                      </a:pPr>
+                      <a:r>
+                        <a:rPr/>
+                        <a:t>52</a:t>
+                      </a:r>
+                    </a:p>
+                  </a:txBody>
+                </a:tc>
+                <a:tc>
+                  <a:txBody>
+                    <a:bodyPr/>
+                    <a:lstStyle/>
+                    <a:p>
+                      <a:pPr lvl="0" indent="0" marL="0">
+                        <a:buNone/>
+                      </a:pPr>
+                      <a:r>
+                        <a:rPr/>
+                        <a:t>0</a:t>
+                      </a:r>
+                    </a:p>
+                  </a:txBody>
+                </a:tc>
+                <a:tc>
+                  <a:txBody>
+                    <a:bodyPr/>
+                    <a:lstStyle/>
+                    <a:p>
+                      <a:pPr lvl="0" indent="0" marL="0">
+                        <a:buNone/>
+                      </a:pPr>
+                      <a:r>
+                        <a:rPr/>
+                        <a:t>0</a:t>
+                      </a:r>
+                    </a:p>
+                  </a:txBody>
+                </a:tc>
+              </a:tr>
+            </a:tbl>
+          </a:graphicData>
+        </a:graphic>
+      </p:graphicFrame>
     </p:spTree>
   </p:cSld>
 </p:sld>
 </file>
 
 <file path=ppt/slides/slide17.xml><?xml version="1.0" encoding="utf-8"?>
+<p:sld xmlns:a="http://schemas.openxmlformats.org/drawingml/2006/main" xmlns:r="http://schemas.openxmlformats.org/officeDocument/2006/relationships" xmlns:p="http://schemas.openxmlformats.org/presentationml/2006/main">
+  <p:cSld>
+    <p:spTree>
+      <p:nvGrpSpPr>
+        <p:cNvPr id="1" name=""/>
+        <p:cNvGrpSpPr/>
+        <p:nvPr/>
+      </p:nvGrpSpPr>
+      <p:grpSpPr>
+        <a:xfrm>
+          <a:off x="0" y="0"/>
+          <a:ext cx="0" cy="0"/>
+          <a:chOff x="0" y="0"/>
+          <a:chExt cx="0" cy="0"/>
+        </a:xfrm>
+      </p:grpSpPr>
+      <p:sp>
+        <p:nvSpPr>
+          <p:cNvPr id="3" name="Content Placeholder 2"/>
+          <p:cNvSpPr>
+            <a:spLocks noGrp="1"/>
+          </p:cNvSpPr>
+          <p:nvPr>
+            <p:ph idx="1"/>
+          </p:nvPr>
+        </p:nvSpPr>
+        <p:spPr/>
+        <p:txBody>
+          <a:bodyPr/>
+          <a:lstStyle/>
+          <a:p>
+            <a:pPr lvl="0" indent="0" marL="0">
+              <a:buNone/>
+            </a:pPr>
+            <a:r>
+              <a:rPr b="1"/>
+              <a:t>인사이트:</a:t>
+            </a:r>
+            <a:r>
+              <a:rPr/>
+              <a:t> 섬별 분포. 경쟁 피함. 보존 우선순위.</a:t>
+            </a:r>
+          </a:p>
+        </p:txBody>
+      </p:sp>
+    </p:spTree>
+  </p:cSld>
+</p:sld>
+</file>
+
+<file path=ppt/slides/slide18.xml><?xml version="1.0" encoding="utf-8"?>
+<p:sld xmlns:a="http://schemas.openxmlformats.org/drawingml/2006/main" xmlns:r="http://schemas.openxmlformats.org/officeDocument/2006/relationships" xmlns:p="http://schemas.openxmlformats.org/presentationml/2006/main">
+  <p:cSld>
+    <p:spTree>
+      <p:nvGrpSpPr>
+        <p:cNvPr id="1" name=""/>
+        <p:cNvGrpSpPr/>
+        <p:nvPr/>
+      </p:nvGrpSpPr>
+      <p:grpSpPr>
+        <a:xfrm>
+          <a:off x="0" y="0"/>
+          <a:ext cx="0" cy="0"/>
+          <a:chOff x="0" y="0"/>
+          <a:chExt cx="0" cy="0"/>
+        </a:xfrm>
+      </p:grpSpPr>
+      <p:sp>
+        <p:nvSpPr>
+          <p:cNvPr id="2" name="Title 1"/>
+          <p:cNvSpPr>
+            <a:spLocks noGrp="1"/>
+          </p:cNvSpPr>
+          <p:nvPr>
+            <p:ph type="title"/>
+          </p:nvPr>
+        </p:nvSpPr>
+        <p:spPr/>
+        <p:txBody>
+          <a:bodyPr/>
+          <a:lstStyle/>
+          <a:p>
+            <a:pPr lvl="0" indent="0" marL="0">
+              <a:buNone/>
+            </a:pPr>
+            <a:r>
+              <a:rPr/>
+              <a:t>피봇테이블: 종 및 성별 평균 체중</a:t>
+            </a:r>
+          </a:p>
+        </p:txBody>
+      </p:sp>
+      <p:graphicFrame>
+        <p:nvGraphicFramePr>
+          <p:cNvPr id="6" name="Content Placeholder 5"/>
+          <p:cNvGraphicFramePr>
+            <a:graphicFrameLocks noGrp="1"/>
+          </p:cNvGraphicFramePr>
+          <p:nvPr>
+            <p:ph idx="1"/>
+          </p:nvPr>
+        </p:nvGraphicFramePr>
+        <p:xfrm>
+          <a:off x="457200" y="1193800"/>
+          <a:ext cx="8229600" cy="3390900"/>
+        </p:xfrm>
+        <a:graphic>
+          <a:graphicData uri="http://schemas.openxmlformats.org/drawingml/2006/table">
+            <a:tbl>
+              <a:tblPr firstRow="1" bandRow="1">
+                <a:tableStyleId>{5C22544A-7EE6-4342-B048-85BDC9FD1C3A}</a:tableStyleId>
+              </a:tblPr>
+              <a:tblGrid>
+                <a:gridCol w="2743200"/>
+                <a:gridCol w="2743200"/>
+                <a:gridCol w="2743200"/>
+              </a:tblGrid>
+              <a:tr h="0">
+                <a:tc>
+                  <a:txBody>
+                    <a:bodyPr/>
+                    <a:lstStyle/>
+                    <a:p>
+                      <a:pPr lvl="0" indent="0" marL="0">
+                        <a:buNone/>
+                      </a:pPr>
+                      <a:r>
+                        <a:rPr/>
+                        <a:t>종</a:t>
+                      </a:r>
+                    </a:p>
+                  </a:txBody>
+                  <a:tcPr/>
+                </a:tc>
+                <a:tc>
+                  <a:txBody>
+                    <a:bodyPr/>
+                    <a:lstStyle/>
+                    <a:p>
+                      <a:pPr lvl="0" indent="0" marL="0">
+                        <a:buNone/>
+                      </a:pPr>
+                      <a:r>
+                        <a:rPr/>
+                        <a:t>Female</a:t>
+                      </a:r>
+                    </a:p>
+                  </a:txBody>
+                  <a:tcPr/>
+                </a:tc>
+                <a:tc>
+                  <a:txBody>
+                    <a:bodyPr/>
+                    <a:lstStyle/>
+                    <a:p>
+                      <a:pPr lvl="0" indent="0" marL="0">
+                        <a:buNone/>
+                      </a:pPr>
+                      <a:r>
+                        <a:rPr/>
+                        <a:t>Male</a:t>
+                      </a:r>
+                    </a:p>
+                  </a:txBody>
+                  <a:tcPr/>
+                </a:tc>
+              </a:tr>
+              <a:tr h="0">
+                <a:tc>
+                  <a:txBody>
+                    <a:bodyPr/>
+                    <a:lstStyle/>
+                    <a:p>
+                      <a:pPr lvl="0" indent="0" marL="0">
+                        <a:buNone/>
+                      </a:pPr>
+                      <a:r>
+                        <a:rPr/>
+                        <a:t>Adelie</a:t>
+                      </a:r>
+                    </a:p>
+                  </a:txBody>
+                </a:tc>
+                <a:tc>
+                  <a:txBody>
+                    <a:bodyPr/>
+                    <a:lstStyle/>
+                    <a:p>
+                      <a:pPr lvl="0" indent="0" marL="0">
+                        <a:buNone/>
+                      </a:pPr>
+                      <a:r>
+                        <a:rPr/>
+                        <a:t>3369</a:t>
+                      </a:r>
+                    </a:p>
+                  </a:txBody>
+                </a:tc>
+                <a:tc>
+                  <a:txBody>
+                    <a:bodyPr/>
+                    <a:lstStyle/>
+                    <a:p>
+                      <a:pPr lvl="0" indent="0" marL="0">
+                        <a:buNone/>
+                      </a:pPr>
+                      <a:r>
+                        <a:rPr/>
+                        <a:t>4043</a:t>
+                      </a:r>
+                    </a:p>
+                  </a:txBody>
+                </a:tc>
+              </a:tr>
+              <a:tr h="0">
+                <a:tc>
+                  <a:txBody>
+                    <a:bodyPr/>
+                    <a:lstStyle/>
+                    <a:p>
+                      <a:pPr lvl="0" indent="0" marL="0">
+                        <a:buNone/>
+                      </a:pPr>
+                      <a:r>
+                        <a:rPr/>
+                        <a:t>Chinstrap</a:t>
+                      </a:r>
+                    </a:p>
+                  </a:txBody>
+                </a:tc>
+                <a:tc>
+                  <a:txBody>
+                    <a:bodyPr/>
+                    <a:lstStyle/>
+                    <a:p>
+                      <a:pPr lvl="0" indent="0" marL="0">
+                        <a:buNone/>
+                      </a:pPr>
+                      <a:r>
+                        <a:rPr/>
+                        <a:t>3527</a:t>
+                      </a:r>
+                    </a:p>
+                  </a:txBody>
+                </a:tc>
+                <a:tc>
+                  <a:txBody>
+                    <a:bodyPr/>
+                    <a:lstStyle/>
+                    <a:p>
+                      <a:pPr lvl="0" indent="0" marL="0">
+                        <a:buNone/>
+                      </a:pPr>
+                      <a:r>
+                        <a:rPr/>
+                        <a:t>3939</a:t>
+                      </a:r>
+                    </a:p>
+                  </a:txBody>
+                </a:tc>
+              </a:tr>
+              <a:tr h="0">
+                <a:tc>
+                  <a:txBody>
+                    <a:bodyPr/>
+                    <a:lstStyle/>
+                    <a:p>
+                      <a:pPr lvl="0" indent="0" marL="0">
+                        <a:buNone/>
+                      </a:pPr>
+                      <a:r>
+                        <a:rPr/>
+                        <a:t>Gentoo</a:t>
+                      </a:r>
+                    </a:p>
+                  </a:txBody>
+                </a:tc>
+                <a:tc>
+                  <a:txBody>
+                    <a:bodyPr/>
+                    <a:lstStyle/>
+                    <a:p>
+                      <a:pPr lvl="0" indent="0" marL="0">
+                        <a:buNone/>
+                      </a:pPr>
+                      <a:r>
+                        <a:rPr/>
+                        <a:t>4680</a:t>
+                      </a:r>
+                    </a:p>
+                  </a:txBody>
+                </a:tc>
+                <a:tc>
+                  <a:txBody>
+                    <a:bodyPr/>
+                    <a:lstStyle/>
+                    <a:p>
+                      <a:pPr lvl="0" indent="0" marL="0">
+                        <a:buNone/>
+                      </a:pPr>
+                      <a:r>
+                        <a:rPr/>
+                        <a:t>5485</a:t>
+                      </a:r>
+                    </a:p>
+                  </a:txBody>
+                </a:tc>
+              </a:tr>
+            </a:tbl>
+          </a:graphicData>
+        </a:graphic>
+      </p:graphicFrame>
+    </p:spTree>
+  </p:cSld>
+</p:sld>
+</file>
+
+<file path=ppt/slides/slide19.xml><?xml version="1.0" encoding="utf-8"?>
+<p:sld xmlns:a="http://schemas.openxmlformats.org/drawingml/2006/main" xmlns:r="http://schemas.openxmlformats.org/officeDocument/2006/relationships" xmlns:p="http://schemas.openxmlformats.org/presentationml/2006/main">
+  <p:cSld>
+    <p:spTree>
+      <p:nvGrpSpPr>
+        <p:cNvPr id="1" name=""/>
+        <p:cNvGrpSpPr/>
+        <p:nvPr/>
+      </p:nvGrpSpPr>
+      <p:grpSpPr>
+        <a:xfrm>
+          <a:off x="0" y="0"/>
+          <a:ext cx="0" cy="0"/>
+          <a:chOff x="0" y="0"/>
+          <a:chExt cx="0" cy="0"/>
+        </a:xfrm>
+      </p:grpSpPr>
+      <p:sp>
+        <p:nvSpPr>
+          <p:cNvPr id="3" name="Content Placeholder 2"/>
+          <p:cNvSpPr>
+            <a:spLocks noGrp="1"/>
+          </p:cNvSpPr>
+          <p:nvPr>
+            <p:ph idx="1"/>
+          </p:nvPr>
+        </p:nvSpPr>
+        <p:spPr/>
+        <p:txBody>
+          <a:bodyPr/>
+          <a:lstStyle/>
+          <a:p>
+            <a:pPr lvl="0" indent="0" marL="0">
+              <a:buNone/>
+            </a:pPr>
+            <a:r>
+              <a:rPr b="1"/>
+              <a:t>인사이트:</a:t>
+            </a:r>
+            <a:r>
+              <a:rPr/>
+              <a:t> 수컷 무거움. 성적 이형성. 번식 생물학.</a:t>
+            </a:r>
+          </a:p>
+        </p:txBody>
+      </p:sp>
+    </p:spTree>
+  </p:cSld>
+</p:sld>
+</file>
+
+<file path=ppt/slides/slide2.xml><?xml version="1.0" encoding="utf-8"?>
+<p:sld xmlns:a="http://schemas.openxmlformats.org/drawingml/2006/main" xmlns:r="http://schemas.openxmlformats.org/officeDocument/2006/relationships" xmlns:p="http://schemas.openxmlformats.org/presentationml/2006/main">
+  <p:cSld>
+    <p:spTree>
+      <p:nvGrpSpPr>
+        <p:cNvPr id="1" name=""/>
+        <p:cNvGrpSpPr/>
+        <p:nvPr/>
+      </p:nvGrpSpPr>
+      <p:grpSpPr>
+        <a:xfrm>
+          <a:off x="0" y="0"/>
+          <a:ext cx="0" cy="0"/>
+          <a:chOff x="0" y="0"/>
+          <a:chExt cx="0" cy="0"/>
+        </a:xfrm>
+      </p:grpSpPr>
+      <p:sp>
+        <p:nvSpPr>
+          <p:cNvPr id="2" name="Title 1"/>
+          <p:cNvSpPr>
+            <a:spLocks noGrp="1"/>
+          </p:cNvSpPr>
+          <p:nvPr>
+            <p:ph type="title"/>
+          </p:nvPr>
+        </p:nvSpPr>
+        <p:spPr/>
+        <p:txBody>
+          <a:bodyPr/>
+          <a:lstStyle/>
+          <a:p>
+            <a:pPr lvl="0" indent="0" marL="0">
+              <a:buNone/>
+            </a:pPr>
+            <a:r>
+              <a:rPr/>
+              <a:t>타이틀 슬라이드</a:t>
+            </a:r>
+          </a:p>
+        </p:txBody>
+      </p:sp>
+      <p:sp>
+        <p:nvSpPr>
+          <p:cNvPr id="3" name="Content Placeholder 2"/>
+          <p:cNvSpPr>
+            <a:spLocks noGrp="1"/>
+          </p:cNvSpPr>
+          <p:nvPr>
+            <p:ph idx="1"/>
+          </p:nvPr>
+        </p:nvSpPr>
+        <p:spPr/>
+        <p:txBody>
+          <a:bodyPr/>
+          <a:lstStyle/>
+          <a:p>
+            <a:pPr lvl="0" indent="0" marL="0">
+              <a:buNone/>
+            </a:pPr>
+            <a:r>
+              <a:rPr b="1"/>
+              <a:t>펭귄 데이터셋 분석 보고서</a:t>
+            </a:r>
+          </a:p>
+          <a:p>
+            <a:pPr lvl="0"/>
+            <a:r>
+              <a:rPr/>
+              <a:t>발표자: AI 어시스턴트</a:t>
+            </a:r>
+          </a:p>
+          <a:p>
+            <a:pPr lvl="0"/>
+            <a:r>
+              <a:rPr/>
+              <a:t>날짜: 2025년 12월 23일</a:t>
+            </a:r>
+          </a:p>
+        </p:txBody>
+      </p:sp>
+    </p:spTree>
+  </p:cSld>
+</p:sld>
+</file>
+
+<file path=ppt/slides/slide20.xml><?xml version="1.0" encoding="utf-8"?>
 <p:sld xmlns:a="http://schemas.openxmlformats.org/drawingml/2006/main" xmlns:r="http://schemas.openxmlformats.org/officeDocument/2006/relationships" xmlns:p="http://schemas.openxmlformats.org/presentationml/2006/main">
   <p:cSld>
     <p:spTree>
@@ -6550,7 +7293,7 @@
 </p:sld>
 </file>
 
-<file path=ppt/slides/slide18.xml><?xml version="1.0" encoding="utf-8"?>
+<file path=ppt/slides/slide21.xml><?xml version="1.0" encoding="utf-8"?>
 <p:sld xmlns:a="http://schemas.openxmlformats.org/drawingml/2006/main" xmlns:r="http://schemas.openxmlformats.org/officeDocument/2006/relationships" xmlns:p="http://schemas.openxmlformats.org/presentationml/2006/main">
   <p:cSld>
     <p:spTree>
@@ -6592,56 +7335,294 @@
           </a:p>
         </p:txBody>
       </p:sp>
-      <p:sp>
-        <p:nvSpPr>
-          <p:cNvPr id="3" name="Content Placeholder 2"/>
-          <p:cNvSpPr>
-            <a:spLocks noGrp="1"/>
-          </p:cNvSpPr>
+      <p:graphicFrame>
+        <p:nvGraphicFramePr>
+          <p:cNvPr id="6" name="Content Placeholder 5"/>
+          <p:cNvGraphicFramePr>
+            <a:graphicFrameLocks noGrp="1"/>
+          </p:cNvGraphicFramePr>
           <p:nvPr>
             <p:ph idx="1"/>
           </p:nvPr>
-        </p:nvSpPr>
-        <p:spPr/>
-        <p:txBody>
-          <a:bodyPr/>
-          <a:lstStyle/>
-          <a:p>
-            <a:pPr lvl="0" indent="0">
-              <a:buNone/>
-            </a:pPr>
-            <a:r>
-              <a:rPr>
-                <a:latin typeface="Courier"/>
-              </a:rPr>
-              <a:t>species  Adelie  Chinstrap  Gentoo
-island
-Biscoe       44          0     124
-Dream        56         68       0
-Torgersen    52          0       0</a:t>
-            </a:r>
-          </a:p>
-          <a:p>
-            <a:pPr lvl="0" indent="0" marL="0">
-              <a:buNone/>
-            </a:pPr>
-            <a:r>
-              <a:rPr b="1"/>
-              <a:t>인사이트:</a:t>
-            </a:r>
-            <a:r>
-              <a:rPr/>
-              <a:t> 역 분포. 환경 적응.</a:t>
-            </a:r>
-          </a:p>
-        </p:txBody>
-      </p:sp>
+        </p:nvGraphicFramePr>
+        <p:xfrm>
+          <a:off x="457200" y="1193800"/>
+          <a:ext cx="8229600" cy="3390900"/>
+        </p:xfrm>
+        <a:graphic>
+          <a:graphicData uri="http://schemas.openxmlformats.org/drawingml/2006/table">
+            <a:tbl>
+              <a:tblPr firstRow="1" bandRow="1">
+                <a:tableStyleId>{5C22544A-7EE6-4342-B048-85BDC9FD1C3A}</a:tableStyleId>
+              </a:tblPr>
+              <a:tblGrid>
+                <a:gridCol w="2057400"/>
+                <a:gridCol w="2057400"/>
+                <a:gridCol w="2057400"/>
+                <a:gridCol w="2057400"/>
+              </a:tblGrid>
+              <a:tr h="0">
+                <a:tc>
+                  <a:txBody>
+                    <a:bodyPr/>
+                    <a:lstStyle/>
+                    <a:p>
+                      <a:pPr lvl="0" indent="0" marL="0">
+                        <a:buNone/>
+                      </a:pPr>
+                      <a:r>
+                        <a:rPr/>
+                        <a:t>종</a:t>
+                      </a:r>
+                    </a:p>
+                  </a:txBody>
+                  <a:tcPr/>
+                </a:tc>
+                <a:tc>
+                  <a:txBody>
+                    <a:bodyPr/>
+                    <a:lstStyle/>
+                    <a:p>
+                      <a:pPr lvl="0" indent="0" marL="0">
+                        <a:buNone/>
+                      </a:pPr>
+                      <a:r>
+                        <a:rPr/>
+                        <a:t>Adelie</a:t>
+                      </a:r>
+                    </a:p>
+                  </a:txBody>
+                  <a:tcPr/>
+                </a:tc>
+                <a:tc>
+                  <a:txBody>
+                    <a:bodyPr/>
+                    <a:lstStyle/>
+                    <a:p>
+                      <a:pPr lvl="0" indent="0" marL="0">
+                        <a:buNone/>
+                      </a:pPr>
+                      <a:r>
+                        <a:rPr/>
+                        <a:t>Chinstrap</a:t>
+                      </a:r>
+                    </a:p>
+                  </a:txBody>
+                  <a:tcPr/>
+                </a:tc>
+                <a:tc>
+                  <a:txBody>
+                    <a:bodyPr/>
+                    <a:lstStyle/>
+                    <a:p>
+                      <a:pPr lvl="0" indent="0" marL="0">
+                        <a:buNone/>
+                      </a:pPr>
+                      <a:r>
+                        <a:rPr/>
+                        <a:t>Gentoo</a:t>
+                      </a:r>
+                    </a:p>
+                  </a:txBody>
+                  <a:tcPr/>
+                </a:tc>
+              </a:tr>
+              <a:tr h="0">
+                <a:tc>
+                  <a:txBody>
+                    <a:bodyPr/>
+                    <a:lstStyle/>
+                    <a:p>
+                      <a:pPr lvl="0" indent="0" marL="0">
+                        <a:buNone/>
+                      </a:pPr>
+                      <a:r>
+                        <a:rPr/>
+                        <a:t>Biscoe</a:t>
+                      </a:r>
+                    </a:p>
+                  </a:txBody>
+                </a:tc>
+                <a:tc>
+                  <a:txBody>
+                    <a:bodyPr/>
+                    <a:lstStyle/>
+                    <a:p>
+                      <a:pPr lvl="0" indent="0" marL="0">
+                        <a:buNone/>
+                      </a:pPr>
+                      <a:r>
+                        <a:rPr/>
+                        <a:t>44</a:t>
+                      </a:r>
+                    </a:p>
+                  </a:txBody>
+                </a:tc>
+                <a:tc>
+                  <a:txBody>
+                    <a:bodyPr/>
+                    <a:lstStyle/>
+                    <a:p>
+                      <a:pPr lvl="0" indent="0" marL="0">
+                        <a:buNone/>
+                      </a:pPr>
+                      <a:r>
+                        <a:rPr/>
+                        <a:t>0</a:t>
+                      </a:r>
+                    </a:p>
+                  </a:txBody>
+                </a:tc>
+                <a:tc>
+                  <a:txBody>
+                    <a:bodyPr/>
+                    <a:lstStyle/>
+                    <a:p>
+                      <a:pPr lvl="0" indent="0" marL="0">
+                        <a:buNone/>
+                      </a:pPr>
+                      <a:r>
+                        <a:rPr/>
+                        <a:t>124</a:t>
+                      </a:r>
+                    </a:p>
+                  </a:txBody>
+                </a:tc>
+              </a:tr>
+              <a:tr h="0">
+                <a:tc>
+                  <a:txBody>
+                    <a:bodyPr/>
+                    <a:lstStyle/>
+                    <a:p>
+                      <a:pPr lvl="0" indent="0" marL="0">
+                        <a:buNone/>
+                      </a:pPr>
+                      <a:r>
+                        <a:rPr/>
+                        <a:t>Dream</a:t>
+                      </a:r>
+                    </a:p>
+                  </a:txBody>
+                </a:tc>
+                <a:tc>
+                  <a:txBody>
+                    <a:bodyPr/>
+                    <a:lstStyle/>
+                    <a:p>
+                      <a:pPr lvl="0" indent="0" marL="0">
+                        <a:buNone/>
+                      </a:pPr>
+                      <a:r>
+                        <a:rPr/>
+                        <a:t>56</a:t>
+                      </a:r>
+                    </a:p>
+                  </a:txBody>
+                </a:tc>
+                <a:tc>
+                  <a:txBody>
+                    <a:bodyPr/>
+                    <a:lstStyle/>
+                    <a:p>
+                      <a:pPr lvl="0" indent="0" marL="0">
+                        <a:buNone/>
+                      </a:pPr>
+                      <a:r>
+                        <a:rPr/>
+                        <a:t>68</a:t>
+                      </a:r>
+                    </a:p>
+                  </a:txBody>
+                </a:tc>
+                <a:tc>
+                  <a:txBody>
+                    <a:bodyPr/>
+                    <a:lstStyle/>
+                    <a:p>
+                      <a:pPr lvl="0" indent="0" marL="0">
+                        <a:buNone/>
+                      </a:pPr>
+                      <a:r>
+                        <a:rPr/>
+                        <a:t>0</a:t>
+                      </a:r>
+                    </a:p>
+                  </a:txBody>
+                </a:tc>
+              </a:tr>
+              <a:tr h="0">
+                <a:tc>
+                  <a:txBody>
+                    <a:bodyPr/>
+                    <a:lstStyle/>
+                    <a:p>
+                      <a:pPr lvl="0" indent="0" marL="0">
+                        <a:buNone/>
+                      </a:pPr>
+                      <a:r>
+                        <a:rPr/>
+                        <a:t>Torgersen</a:t>
+                      </a:r>
+                    </a:p>
+                  </a:txBody>
+                </a:tc>
+                <a:tc>
+                  <a:txBody>
+                    <a:bodyPr/>
+                    <a:lstStyle/>
+                    <a:p>
+                      <a:pPr lvl="0" indent="0" marL="0">
+                        <a:buNone/>
+                      </a:pPr>
+                      <a:r>
+                        <a:rPr/>
+                        <a:t>52</a:t>
+                      </a:r>
+                    </a:p>
+                  </a:txBody>
+                </a:tc>
+                <a:tc>
+                  <a:txBody>
+                    <a:bodyPr/>
+                    <a:lstStyle/>
+                    <a:p>
+                      <a:pPr lvl="0" indent="0" marL="0">
+                        <a:buNone/>
+                      </a:pPr>
+                      <a:r>
+                        <a:rPr/>
+                        <a:t>0</a:t>
+                      </a:r>
+                    </a:p>
+                  </a:txBody>
+                </a:tc>
+                <a:tc>
+                  <a:txBody>
+                    <a:bodyPr/>
+                    <a:lstStyle/>
+                    <a:p>
+                      <a:pPr lvl="0" indent="0" marL="0">
+                        <a:buNone/>
+                      </a:pPr>
+                      <a:r>
+                        <a:rPr/>
+                        <a:t>0</a:t>
+                      </a:r>
+                    </a:p>
+                  </a:txBody>
+                </a:tc>
+              </a:tr>
+            </a:tbl>
+          </a:graphicData>
+        </a:graphic>
+      </p:graphicFrame>
     </p:spTree>
   </p:cSld>
 </p:sld>
 </file>
 
-<file path=ppt/slides/slide19.xml><?xml version="1.0" encoding="utf-8"?>
+<file path=ppt/slides/slide22.xml><?xml version="1.0" encoding="utf-8"?>
 <p:sld xmlns:a="http://schemas.openxmlformats.org/drawingml/2006/main" xmlns:r="http://schemas.openxmlformats.org/officeDocument/2006/relationships" xmlns:p="http://schemas.openxmlformats.org/presentationml/2006/main">
   <p:cSld>
     <p:spTree>
@@ -6660,31 +7641,6 @@
       </p:grpSpPr>
       <p:sp>
         <p:nvSpPr>
-          <p:cNvPr id="2" name="Title 1"/>
-          <p:cNvSpPr>
-            <a:spLocks noGrp="1"/>
-          </p:cNvSpPr>
-          <p:nvPr>
-            <p:ph type="title"/>
-          </p:nvPr>
-        </p:nvSpPr>
-        <p:spPr/>
-        <p:txBody>
-          <a:bodyPr/>
-          <a:lstStyle/>
-          <a:p>
-            <a:pPr lvl="0" indent="0" marL="0">
-              <a:buNone/>
-            </a:pPr>
-            <a:r>
-              <a:rPr/>
-              <a:t>피봇테이블: 섬 및 종별 평균 부리 길이</a:t>
-            </a:r>
-          </a:p>
-        </p:txBody>
-      </p:sp>
-      <p:sp>
-        <p:nvSpPr>
           <p:cNvPr id="3" name="Content Placeholder 2"/>
           <p:cNvSpPr>
             <a:spLocks noGrp="1"/>
@@ -6697,21 +7653,6 @@
         <p:txBody>
           <a:bodyPr/>
           <a:lstStyle/>
-          <a:p>
-            <a:pPr lvl="0" indent="0">
-              <a:buNone/>
-            </a:pPr>
-            <a:r>
-              <a:rPr>
-                <a:latin typeface="Courier"/>
-              </a:rPr>
-              <a:t>species    Adelie  Chinstrap   Gentoo
-island
-Biscoe    38.975   0.000000  45.584
-Dream     44.167  48.833333  0.000
-Torgersen 39.038   0.000000  0.000</a:t>
-            </a:r>
-          </a:p>
           <a:p>
             <a:pPr lvl="0" indent="0" marL="0">
               <a:buNone/>
@@ -6722,7 +7663,7 @@
             </a:r>
             <a:r>
               <a:rPr/>
-              <a:t> 유전적 요인. 환경 영향 적음.</a:t>
+              <a:t> 역 분포. 환경 적응.</a:t>
             </a:r>
           </a:p>
         </p:txBody>
@@ -6732,7 +7673,7 @@
 </p:sld>
 </file>
 
-<file path=ppt/slides/slide2.xml><?xml version="1.0" encoding="utf-8"?>
+<file path=ppt/slides/slide23.xml><?xml version="1.0" encoding="utf-8"?>
 <p:sld xmlns:a="http://schemas.openxmlformats.org/drawingml/2006/main" xmlns:r="http://schemas.openxmlformats.org/officeDocument/2006/relationships" xmlns:p="http://schemas.openxmlformats.org/presentationml/2006/main">
   <p:cSld>
     <p:spTree>
@@ -6769,56 +7710,350 @@
             </a:pPr>
             <a:r>
               <a:rPr/>
-              <a:t>타이틀 슬라이드</a:t>
-            </a:r>
-          </a:p>
-        </p:txBody>
-      </p:sp>
-      <p:sp>
-        <p:nvSpPr>
-          <p:cNvPr id="3" name="Content Placeholder 2"/>
-          <p:cNvSpPr>
-            <a:spLocks noGrp="1"/>
-          </p:cNvSpPr>
+              <a:t>피봇테이블: 섬 및 종별 평균 부리 길이</a:t>
+            </a:r>
+          </a:p>
+        </p:txBody>
+      </p:sp>
+      <p:graphicFrame>
+        <p:nvGraphicFramePr>
+          <p:cNvPr id="6" name="Content Placeholder 5"/>
+          <p:cNvGraphicFramePr>
+            <a:graphicFrameLocks noGrp="1"/>
+          </p:cNvGraphicFramePr>
           <p:nvPr>
             <p:ph idx="1"/>
           </p:nvPr>
-        </p:nvSpPr>
-        <p:spPr/>
-        <p:txBody>
-          <a:bodyPr/>
-          <a:lstStyle/>
-          <a:p>
-            <a:pPr lvl="0" indent="0" marL="0">
-              <a:buNone/>
-            </a:pPr>
-            <a:r>
-              <a:rPr b="1"/>
-              <a:t>펭귄 데이터셋 분석 보고서</a:t>
-            </a:r>
-          </a:p>
-          <a:p>
-            <a:pPr lvl="0"/>
-            <a:r>
-              <a:rPr/>
-              <a:t>발표자: AI 어시스턴트</a:t>
-            </a:r>
-          </a:p>
-          <a:p>
-            <a:pPr lvl="0"/>
-            <a:r>
-              <a:rPr/>
-              <a:t>날짜: 2025년 12월 23일</a:t>
-            </a:r>
-          </a:p>
-        </p:txBody>
-      </p:sp>
+        </p:nvGraphicFramePr>
+        <p:xfrm>
+          <a:off x="457200" y="1193800"/>
+          <a:ext cx="8229600" cy="3390900"/>
+        </p:xfrm>
+        <a:graphic>
+          <a:graphicData uri="http://schemas.openxmlformats.org/drawingml/2006/table">
+            <a:tbl>
+              <a:tblPr firstRow="1" bandRow="1">
+                <a:tableStyleId>{5C22544A-7EE6-4342-B048-85BDC9FD1C3A}</a:tableStyleId>
+              </a:tblPr>
+              <a:tblGrid>
+                <a:gridCol w="2057400"/>
+                <a:gridCol w="2057400"/>
+                <a:gridCol w="2057400"/>
+                <a:gridCol w="2057400"/>
+              </a:tblGrid>
+              <a:tr h="0">
+                <a:tc>
+                  <a:txBody>
+                    <a:bodyPr/>
+                    <a:lstStyle/>
+                    <a:p>
+                      <a:pPr lvl="0" indent="0" marL="0">
+                        <a:buNone/>
+                      </a:pPr>
+                      <a:r>
+                        <a:rPr/>
+                        <a:t>섬</a:t>
+                      </a:r>
+                    </a:p>
+                  </a:txBody>
+                  <a:tcPr/>
+                </a:tc>
+                <a:tc>
+                  <a:txBody>
+                    <a:bodyPr/>
+                    <a:lstStyle/>
+                    <a:p>
+                      <a:pPr lvl="0" indent="0" marL="0">
+                        <a:buNone/>
+                      </a:pPr>
+                      <a:r>
+                        <a:rPr/>
+                        <a:t>Adelie</a:t>
+                      </a:r>
+                    </a:p>
+                  </a:txBody>
+                  <a:tcPr/>
+                </a:tc>
+                <a:tc>
+                  <a:txBody>
+                    <a:bodyPr/>
+                    <a:lstStyle/>
+                    <a:p>
+                      <a:pPr lvl="0" indent="0" marL="0">
+                        <a:buNone/>
+                      </a:pPr>
+                      <a:r>
+                        <a:rPr/>
+                        <a:t>Chinstrap</a:t>
+                      </a:r>
+                    </a:p>
+                  </a:txBody>
+                  <a:tcPr/>
+                </a:tc>
+                <a:tc>
+                  <a:txBody>
+                    <a:bodyPr/>
+                    <a:lstStyle/>
+                    <a:p>
+                      <a:pPr lvl="0" indent="0" marL="0">
+                        <a:buNone/>
+                      </a:pPr>
+                      <a:r>
+                        <a:rPr/>
+                        <a:t>Gentoo</a:t>
+                      </a:r>
+                    </a:p>
+                  </a:txBody>
+                  <a:tcPr/>
+                </a:tc>
+              </a:tr>
+              <a:tr h="0">
+                <a:tc>
+                  <a:txBody>
+                    <a:bodyPr/>
+                    <a:lstStyle/>
+                    <a:p>
+                      <a:pPr lvl="0" indent="0" marL="0">
+                        <a:buNone/>
+                      </a:pPr>
+                      <a:r>
+                        <a:rPr/>
+                        <a:t>Biscoe</a:t>
+                      </a:r>
+                    </a:p>
+                  </a:txBody>
+                </a:tc>
+                <a:tc>
+                  <a:txBody>
+                    <a:bodyPr/>
+                    <a:lstStyle/>
+                    <a:p>
+                      <a:pPr lvl="0" indent="0" marL="0">
+                        <a:buNone/>
+                      </a:pPr>
+                      <a:r>
+                        <a:rPr/>
+                        <a:t>39.0</a:t>
+                      </a:r>
+                    </a:p>
+                  </a:txBody>
+                </a:tc>
+                <a:tc>
+                  <a:txBody>
+                    <a:bodyPr/>
+                    <a:lstStyle/>
+                    <a:p>
+                      <a:pPr lvl="0" indent="0" marL="0">
+                        <a:buNone/>
+                      </a:pPr>
+                      <a:r>
+                        <a:rPr/>
+                        <a:t>0</a:t>
+                      </a:r>
+                    </a:p>
+                  </a:txBody>
+                </a:tc>
+                <a:tc>
+                  <a:txBody>
+                    <a:bodyPr/>
+                    <a:lstStyle/>
+                    <a:p>
+                      <a:pPr lvl="0" indent="0" marL="0">
+                        <a:buNone/>
+                      </a:pPr>
+                      <a:r>
+                        <a:rPr/>
+                        <a:t>45.6</a:t>
+                      </a:r>
+                    </a:p>
+                  </a:txBody>
+                </a:tc>
+              </a:tr>
+              <a:tr h="0">
+                <a:tc>
+                  <a:txBody>
+                    <a:bodyPr/>
+                    <a:lstStyle/>
+                    <a:p>
+                      <a:pPr lvl="0" indent="0" marL="0">
+                        <a:buNone/>
+                      </a:pPr>
+                      <a:r>
+                        <a:rPr/>
+                        <a:t>Dream</a:t>
+                      </a:r>
+                    </a:p>
+                  </a:txBody>
+                </a:tc>
+                <a:tc>
+                  <a:txBody>
+                    <a:bodyPr/>
+                    <a:lstStyle/>
+                    <a:p>
+                      <a:pPr lvl="0" indent="0" marL="0">
+                        <a:buNone/>
+                      </a:pPr>
+                      <a:r>
+                        <a:rPr/>
+                        <a:t>44.2</a:t>
+                      </a:r>
+                    </a:p>
+                  </a:txBody>
+                </a:tc>
+                <a:tc>
+                  <a:txBody>
+                    <a:bodyPr/>
+                    <a:lstStyle/>
+                    <a:p>
+                      <a:pPr lvl="0" indent="0" marL="0">
+                        <a:buNone/>
+                      </a:pPr>
+                      <a:r>
+                        <a:rPr/>
+                        <a:t>48.8</a:t>
+                      </a:r>
+                    </a:p>
+                  </a:txBody>
+                </a:tc>
+                <a:tc>
+                  <a:txBody>
+                    <a:bodyPr/>
+                    <a:lstStyle/>
+                    <a:p>
+                      <a:pPr lvl="0" indent="0" marL="0">
+                        <a:buNone/>
+                      </a:pPr>
+                      <a:r>
+                        <a:rPr/>
+                        <a:t>0</a:t>
+                      </a:r>
+                    </a:p>
+                  </a:txBody>
+                </a:tc>
+              </a:tr>
+              <a:tr h="0">
+                <a:tc>
+                  <a:txBody>
+                    <a:bodyPr/>
+                    <a:lstStyle/>
+                    <a:p>
+                      <a:pPr lvl="0" indent="0" marL="0">
+                        <a:buNone/>
+                      </a:pPr>
+                      <a:r>
+                        <a:rPr/>
+                        <a:t>Torgersen</a:t>
+                      </a:r>
+                    </a:p>
+                  </a:txBody>
+                </a:tc>
+                <a:tc>
+                  <a:txBody>
+                    <a:bodyPr/>
+                    <a:lstStyle/>
+                    <a:p>
+                      <a:pPr lvl="0" indent="0" marL="0">
+                        <a:buNone/>
+                      </a:pPr>
+                      <a:r>
+                        <a:rPr/>
+                        <a:t>39.0</a:t>
+                      </a:r>
+                    </a:p>
+                  </a:txBody>
+                </a:tc>
+                <a:tc>
+                  <a:txBody>
+                    <a:bodyPr/>
+                    <a:lstStyle/>
+                    <a:p>
+                      <a:pPr lvl="0" indent="0" marL="0">
+                        <a:buNone/>
+                      </a:pPr>
+                      <a:r>
+                        <a:rPr/>
+                        <a:t>0</a:t>
+                      </a:r>
+                    </a:p>
+                  </a:txBody>
+                </a:tc>
+                <a:tc>
+                  <a:txBody>
+                    <a:bodyPr/>
+                    <a:lstStyle/>
+                    <a:p>
+                      <a:pPr lvl="0" indent="0" marL="0">
+                        <a:buNone/>
+                      </a:pPr>
+                      <a:r>
+                        <a:rPr/>
+                        <a:t>0</a:t>
+                      </a:r>
+                    </a:p>
+                  </a:txBody>
+                </a:tc>
+              </a:tr>
+            </a:tbl>
+          </a:graphicData>
+        </a:graphic>
+      </p:graphicFrame>
     </p:spTree>
   </p:cSld>
 </p:sld>
 </file>
 
-<file path=ppt/slides/slide20.xml><?xml version="1.0" encoding="utf-8"?>
+<file path=ppt/slides/slide24.xml><?xml version="1.0" encoding="utf-8"?>
+<p:sld xmlns:a="http://schemas.openxmlformats.org/drawingml/2006/main" xmlns:r="http://schemas.openxmlformats.org/officeDocument/2006/relationships" xmlns:p="http://schemas.openxmlformats.org/presentationml/2006/main">
+  <p:cSld>
+    <p:spTree>
+      <p:nvGrpSpPr>
+        <p:cNvPr id="1" name=""/>
+        <p:cNvGrpSpPr/>
+        <p:nvPr/>
+      </p:nvGrpSpPr>
+      <p:grpSpPr>
+        <a:xfrm>
+          <a:off x="0" y="0"/>
+          <a:ext cx="0" cy="0"/>
+          <a:chOff x="0" y="0"/>
+          <a:chExt cx="0" cy="0"/>
+        </a:xfrm>
+      </p:grpSpPr>
+      <p:sp>
+        <p:nvSpPr>
+          <p:cNvPr id="3" name="Content Placeholder 2"/>
+          <p:cNvSpPr>
+            <a:spLocks noGrp="1"/>
+          </p:cNvSpPr>
+          <p:nvPr>
+            <p:ph idx="1"/>
+          </p:nvPr>
+        </p:nvSpPr>
+        <p:spPr/>
+        <p:txBody>
+          <a:bodyPr/>
+          <a:lstStyle/>
+          <a:p>
+            <a:pPr lvl="0" indent="0" marL="0">
+              <a:buNone/>
+            </a:pPr>
+            <a:r>
+              <a:rPr b="1"/>
+              <a:t>인사이트:</a:t>
+            </a:r>
+            <a:r>
+              <a:rPr/>
+              <a:t> 유전적 요인. 환경 영향 적음.</a:t>
+            </a:r>
+          </a:p>
+        </p:txBody>
+      </p:sp>
+    </p:spTree>
+  </p:cSld>
+</p:sld>
+</file>
+
+<file path=ppt/slides/slide25.xml><?xml version="1.0" encoding="utf-8"?>
 <p:sld xmlns:a="http://schemas.openxmlformats.org/drawingml/2006/main" xmlns:r="http://schemas.openxmlformats.org/officeDocument/2006/relationships" xmlns:p="http://schemas.openxmlformats.org/presentationml/2006/main">
   <p:cSld>
     <p:spTree>
@@ -6954,7 +8189,7 @@
 </p:sld>
 </file>
 
-<file path=ppt/slides/slide21.xml><?xml version="1.0" encoding="utf-8"?>
+<file path=ppt/slides/slide26.xml><?xml version="1.0" encoding="utf-8"?>
 <p:sld xmlns:a="http://schemas.openxmlformats.org/drawingml/2006/main" xmlns:r="http://schemas.openxmlformats.org/officeDocument/2006/relationships" xmlns:p="http://schemas.openxmlformats.org/presentationml/2006/main">
   <p:cSld>
     <p:spTree>
@@ -7090,7 +8325,7 @@
 </p:sld>
 </file>
 
-<file path=ppt/slides/slide22.xml><?xml version="1.0" encoding="utf-8"?>
+<file path=ppt/slides/slide27.xml><?xml version="1.0" encoding="utf-8"?>
 <p:sld xmlns:a="http://schemas.openxmlformats.org/drawingml/2006/main" xmlns:r="http://schemas.openxmlformats.org/officeDocument/2006/relationships" xmlns:p="http://schemas.openxmlformats.org/presentationml/2006/main">
   <p:cSld>
     <p:spTree>
@@ -7226,7 +8461,7 @@
 </p:sld>
 </file>
 
-<file path=ppt/slides/slide23.xml><?xml version="1.0" encoding="utf-8"?>
+<file path=ppt/slides/slide28.xml><?xml version="1.0" encoding="utf-8"?>
 <p:sld xmlns:a="http://schemas.openxmlformats.org/drawingml/2006/main" xmlns:r="http://schemas.openxmlformats.org/officeDocument/2006/relationships" xmlns:p="http://schemas.openxmlformats.org/presentationml/2006/main">
   <p:cSld>
     <p:spTree>
@@ -7362,7 +8597,7 @@
 </p:sld>
 </file>
 
-<file path=ppt/slides/slide24.xml><?xml version="1.0" encoding="utf-8"?>
+<file path=ppt/slides/slide29.xml><?xml version="1.0" encoding="utf-8"?>
 <p:sld xmlns:a="http://schemas.openxmlformats.org/drawingml/2006/main" xmlns:r="http://schemas.openxmlformats.org/officeDocument/2006/relationships" xmlns:p="http://schemas.openxmlformats.org/presentationml/2006/main">
   <p:cSld>
     <p:spTree>
@@ -7498,162 +8733,6 @@
 </p:sld>
 </file>
 
-<file path=ppt/slides/slide25.xml><?xml version="1.0" encoding="utf-8"?>
-<p:sld xmlns:a="http://schemas.openxmlformats.org/drawingml/2006/main" xmlns:r="http://schemas.openxmlformats.org/officeDocument/2006/relationships" xmlns:p="http://schemas.openxmlformats.org/presentationml/2006/main">
-  <p:cSld>
-    <p:spTree>
-      <p:nvGrpSpPr>
-        <p:cNvPr id="1" name=""/>
-        <p:cNvGrpSpPr/>
-        <p:nvPr/>
-      </p:nvGrpSpPr>
-      <p:grpSpPr>
-        <a:xfrm>
-          <a:off x="0" y="0"/>
-          <a:ext cx="0" cy="0"/>
-          <a:chOff x="0" y="0"/>
-          <a:chExt cx="0" cy="0"/>
-        </a:xfrm>
-      </p:grpSpPr>
-      <p:sp>
-        <p:nvSpPr>
-          <p:cNvPr id="2" name="Title 1"/>
-          <p:cNvSpPr>
-            <a:spLocks noGrp="1"/>
-          </p:cNvSpPr>
-          <p:nvPr>
-            <p:ph type="title"/>
-          </p:nvPr>
-        </p:nvSpPr>
-        <p:spPr/>
-        <p:txBody>
-          <a:bodyPr/>
-          <a:lstStyle/>
-          <a:p>
-            <a:pPr lvl="0" indent="0" marL="0">
-              <a:buNone/>
-            </a:pPr>
-            <a:r>
-              <a:rPr/>
-              <a:t>결론</a:t>
-            </a:r>
-          </a:p>
-        </p:txBody>
-      </p:sp>
-      <p:sp>
-        <p:nvSpPr>
-          <p:cNvPr id="3" name="Content Placeholder 2"/>
-          <p:cNvSpPr>
-            <a:spLocks noGrp="1"/>
-          </p:cNvSpPr>
-          <p:nvPr>
-            <p:ph idx="1"/>
-          </p:nvPr>
-        </p:nvSpPr>
-        <p:spPr/>
-        <p:txBody>
-          <a:bodyPr/>
-          <a:lstStyle/>
-          <a:p>
-            <a:pPr lvl="0"/>
-            <a:r>
-              <a:rPr/>
-              <a:t>펭귄 종별 차이 명확.</a:t>
-            </a:r>
-          </a:p>
-          <a:p>
-            <a:pPr lvl="0"/>
-            <a:r>
-              <a:rPr/>
-              <a:t>시각화로 패턴 이해.</a:t>
-            </a:r>
-          </a:p>
-          <a:p>
-            <a:pPr lvl="0"/>
-            <a:r>
-              <a:rPr/>
-              <a:t>생태적 의미: 적응, 경쟁, 보존.</a:t>
-            </a:r>
-          </a:p>
-        </p:txBody>
-      </p:sp>
-    </p:spTree>
-  </p:cSld>
-</p:sld>
-</file>
-
-<file path=ppt/slides/slide26.xml><?xml version="1.0" encoding="utf-8"?>
-<p:sld xmlns:a="http://schemas.openxmlformats.org/drawingml/2006/main" xmlns:r="http://schemas.openxmlformats.org/officeDocument/2006/relationships" xmlns:p="http://schemas.openxmlformats.org/presentationml/2006/main">
-  <p:cSld>
-    <p:spTree>
-      <p:nvGrpSpPr>
-        <p:cNvPr id="1" name=""/>
-        <p:cNvGrpSpPr/>
-        <p:nvPr/>
-      </p:nvGrpSpPr>
-      <p:grpSpPr>
-        <a:xfrm>
-          <a:off x="0" y="0"/>
-          <a:ext cx="0" cy="0"/>
-          <a:chOff x="0" y="0"/>
-          <a:chExt cx="0" cy="0"/>
-        </a:xfrm>
-      </p:grpSpPr>
-      <p:sp>
-        <p:nvSpPr>
-          <p:cNvPr id="2" name="Title 1"/>
-          <p:cNvSpPr>
-            <a:spLocks noGrp="1"/>
-          </p:cNvSpPr>
-          <p:nvPr>
-            <p:ph type="title"/>
-          </p:nvPr>
-        </p:nvSpPr>
-        <p:spPr/>
-        <p:txBody>
-          <a:bodyPr/>
-          <a:lstStyle/>
-          <a:p>
-            <a:pPr lvl="0" indent="0" marL="0">
-              <a:buNone/>
-            </a:pPr>
-            <a:r>
-              <a:rPr/>
-              <a:t>감사합니다</a:t>
-            </a:r>
-          </a:p>
-        </p:txBody>
-      </p:sp>
-      <p:sp>
-        <p:nvSpPr>
-          <p:cNvPr id="3" name="Content Placeholder 2"/>
-          <p:cNvSpPr>
-            <a:spLocks noGrp="1"/>
-          </p:cNvSpPr>
-          <p:nvPr>
-            <p:ph idx="1"/>
-          </p:nvPr>
-        </p:nvSpPr>
-        <p:spPr/>
-        <p:txBody>
-          <a:bodyPr/>
-          <a:lstStyle/>
-          <a:p>
-            <a:pPr lvl="0" indent="0" marL="0">
-              <a:buNone/>
-            </a:pPr>
-            <a:r>
-              <a:rPr/>
-              <a:t>질문 있으신가요?</a:t>
-            </a:r>
-          </a:p>
-        </p:txBody>
-      </p:sp>
-    </p:spTree>
-  </p:cSld>
-</p:sld>
-</file>
-
 <file path=ppt/slides/slide3.xml><?xml version="1.0" encoding="utf-8"?>
 <p:sld xmlns:a="http://schemas.openxmlformats.org/drawingml/2006/main" xmlns:r="http://schemas.openxmlformats.org/officeDocument/2006/relationships" xmlns:p="http://schemas.openxmlformats.org/presentationml/2006/main">
   <p:cSld>
@@ -7738,6 +8817,162 @@
             <a:r>
               <a:rPr/>
               <a:t>분석 목표: 종별 차이, 생태적 의미 이해</a:t>
+            </a:r>
+          </a:p>
+        </p:txBody>
+      </p:sp>
+    </p:spTree>
+  </p:cSld>
+</p:sld>
+</file>
+
+<file path=ppt/slides/slide30.xml><?xml version="1.0" encoding="utf-8"?>
+<p:sld xmlns:a="http://schemas.openxmlformats.org/drawingml/2006/main" xmlns:r="http://schemas.openxmlformats.org/officeDocument/2006/relationships" xmlns:p="http://schemas.openxmlformats.org/presentationml/2006/main">
+  <p:cSld>
+    <p:spTree>
+      <p:nvGrpSpPr>
+        <p:cNvPr id="1" name=""/>
+        <p:cNvGrpSpPr/>
+        <p:nvPr/>
+      </p:nvGrpSpPr>
+      <p:grpSpPr>
+        <a:xfrm>
+          <a:off x="0" y="0"/>
+          <a:ext cx="0" cy="0"/>
+          <a:chOff x="0" y="0"/>
+          <a:chExt cx="0" cy="0"/>
+        </a:xfrm>
+      </p:grpSpPr>
+      <p:sp>
+        <p:nvSpPr>
+          <p:cNvPr id="2" name="Title 1"/>
+          <p:cNvSpPr>
+            <a:spLocks noGrp="1"/>
+          </p:cNvSpPr>
+          <p:nvPr>
+            <p:ph type="title"/>
+          </p:nvPr>
+        </p:nvSpPr>
+        <p:spPr/>
+        <p:txBody>
+          <a:bodyPr/>
+          <a:lstStyle/>
+          <a:p>
+            <a:pPr lvl="0" indent="0" marL="0">
+              <a:buNone/>
+            </a:pPr>
+            <a:r>
+              <a:rPr/>
+              <a:t>결론</a:t>
+            </a:r>
+          </a:p>
+        </p:txBody>
+      </p:sp>
+      <p:sp>
+        <p:nvSpPr>
+          <p:cNvPr id="3" name="Content Placeholder 2"/>
+          <p:cNvSpPr>
+            <a:spLocks noGrp="1"/>
+          </p:cNvSpPr>
+          <p:nvPr>
+            <p:ph idx="1"/>
+          </p:nvPr>
+        </p:nvSpPr>
+        <p:spPr/>
+        <p:txBody>
+          <a:bodyPr/>
+          <a:lstStyle/>
+          <a:p>
+            <a:pPr lvl="0"/>
+            <a:r>
+              <a:rPr/>
+              <a:t>펭귄 종별 차이 명확.</a:t>
+            </a:r>
+          </a:p>
+          <a:p>
+            <a:pPr lvl="0"/>
+            <a:r>
+              <a:rPr/>
+              <a:t>시각화로 패턴 이해.</a:t>
+            </a:r>
+          </a:p>
+          <a:p>
+            <a:pPr lvl="0"/>
+            <a:r>
+              <a:rPr/>
+              <a:t>생태적 의미: 적응, 경쟁, 보존.</a:t>
+            </a:r>
+          </a:p>
+        </p:txBody>
+      </p:sp>
+    </p:spTree>
+  </p:cSld>
+</p:sld>
+</file>
+
+<file path=ppt/slides/slide31.xml><?xml version="1.0" encoding="utf-8"?>
+<p:sld xmlns:a="http://schemas.openxmlformats.org/drawingml/2006/main" xmlns:r="http://schemas.openxmlformats.org/officeDocument/2006/relationships" xmlns:p="http://schemas.openxmlformats.org/presentationml/2006/main">
+  <p:cSld>
+    <p:spTree>
+      <p:nvGrpSpPr>
+        <p:cNvPr id="1" name=""/>
+        <p:cNvGrpSpPr/>
+        <p:nvPr/>
+      </p:nvGrpSpPr>
+      <p:grpSpPr>
+        <a:xfrm>
+          <a:off x="0" y="0"/>
+          <a:ext cx="0" cy="0"/>
+          <a:chOff x="0" y="0"/>
+          <a:chExt cx="0" cy="0"/>
+        </a:xfrm>
+      </p:grpSpPr>
+      <p:sp>
+        <p:nvSpPr>
+          <p:cNvPr id="2" name="Title 1"/>
+          <p:cNvSpPr>
+            <a:spLocks noGrp="1"/>
+          </p:cNvSpPr>
+          <p:nvPr>
+            <p:ph type="title"/>
+          </p:nvPr>
+        </p:nvSpPr>
+        <p:spPr/>
+        <p:txBody>
+          <a:bodyPr/>
+          <a:lstStyle/>
+          <a:p>
+            <a:pPr lvl="0" indent="0" marL="0">
+              <a:buNone/>
+            </a:pPr>
+            <a:r>
+              <a:rPr/>
+              <a:t>감사합니다</a:t>
+            </a:r>
+          </a:p>
+        </p:txBody>
+      </p:sp>
+      <p:sp>
+        <p:nvSpPr>
+          <p:cNvPr id="3" name="Content Placeholder 2"/>
+          <p:cNvSpPr>
+            <a:spLocks noGrp="1"/>
+          </p:cNvSpPr>
+          <p:nvPr>
+            <p:ph idx="1"/>
+          </p:nvPr>
+        </p:nvSpPr>
+        <p:spPr/>
+        <p:txBody>
+          <a:bodyPr/>
+          <a:lstStyle/>
+          <a:p>
+            <a:pPr lvl="0" indent="0" marL="0">
+              <a:buNone/>
+            </a:pPr>
+            <a:r>
+              <a:rPr/>
+              <a:t>질문 있으신가요?</a:t>
             </a:r>
           </a:p>
         </p:txBody>
@@ -7774,7 +9009,12 @@
             <p:ph type="title"/>
           </p:nvPr>
         </p:nvSpPr>
-        <p:spPr/>
+        <p:spPr>
+          <a:xfrm>
+            <a:off x="457201" y="204787"/>
+            <a:ext cx="3008313" cy="871538"/>
+          </a:xfrm>
+        </p:spPr>
         <p:txBody>
           <a:bodyPr/>
           <a:lstStyle/>
@@ -7791,12 +9031,12 @@
       </p:sp>
       <p:sp>
         <p:nvSpPr>
-          <p:cNvPr id="3" name="Content Placeholder 2"/>
-          <p:cNvSpPr>
-            <a:spLocks noGrp="1"/>
-          </p:cNvSpPr>
-          <p:nvPr>
-            <p:ph idx="1"/>
+          <p:cNvPr id="4" name="Text Placeholder 3"/>
+          <p:cNvSpPr>
+            <a:spLocks noGrp="1"/>
+          </p:cNvSpPr>
+          <p:nvPr>
+            <p:ph idx="2" sz="half" type="body"/>
           </p:nvPr>
         </p:nvSpPr>
         <p:spPr/>
@@ -7815,32 +9055,198 @@
               <a:t>데이터셋 정보</a:t>
             </a:r>
           </a:p>
-          <a:p>
-            <a:pPr lvl="0" indent="0">
-              <a:buNone/>
-            </a:pPr>
-            <a:r>
-              <a:rPr>
-                <a:latin typeface="Courier"/>
-              </a:rPr>
-              <a:t>&lt;class 'pandas.core.frame.DataFrame'&gt;
-RangeIndex: 344 entries, 0 to 343
-Data columns (total 7 columns):
- #   Column             Non-Null Count  Dtype
----  ------             --------------  -----
- 0   species            344 non-null    object
- 1   island             344 non-null    object
- 2   bill_length_mm     342 non-null    float64
- 3   bill_depth_mm      342 non-null    float64
- 4   flipper_length_mm  342 non-null    float64
- 5   body_mass_g        342 non-null    float64
- 6   sex                333 non-null    object
-dtypes: float64(4), object(3)
-memory usage: 18.9+ KB</a:t>
-            </a:r>
-          </a:p>
-        </p:txBody>
-      </p:sp>
+        </p:txBody>
+      </p:sp>
+      <p:graphicFrame>
+        <p:nvGraphicFramePr>
+          <p:cNvPr id="6" name="Content Placeholder 5"/>
+          <p:cNvGraphicFramePr>
+            <a:graphicFrameLocks noGrp="1"/>
+          </p:cNvGraphicFramePr>
+          <p:nvPr>
+            <p:ph idx="1"/>
+          </p:nvPr>
+        </p:nvGraphicFramePr>
+        <p:xfrm>
+          <a:off x="3568700" y="203200"/>
+          <a:ext cx="5105400" cy="4381500"/>
+        </p:xfrm>
+        <a:graphic>
+          <a:graphicData uri="http://schemas.openxmlformats.org/drawingml/2006/table">
+            <a:tbl>
+              <a:tblPr firstRow="1" bandRow="1">
+                <a:tableStyleId>{5C22544A-7EE6-4342-B048-85BDC9FD1C3A}</a:tableStyleId>
+              </a:tblPr>
+              <a:tblGrid>
+                <a:gridCol w="2552700"/>
+                <a:gridCol w="2552700"/>
+              </a:tblGrid>
+              <a:tr h="0">
+                <a:tc>
+                  <a:txBody>
+                    <a:bodyPr/>
+                    <a:lstStyle/>
+                    <a:p>
+                      <a:pPr lvl="0" indent="0" marL="0">
+                        <a:buNone/>
+                      </a:pPr>
+                      <a:r>
+                        <a:rPr/>
+                        <a:t>속성</a:t>
+                      </a:r>
+                    </a:p>
+                  </a:txBody>
+                  <a:tcPr/>
+                </a:tc>
+                <a:tc>
+                  <a:txBody>
+                    <a:bodyPr/>
+                    <a:lstStyle/>
+                    <a:p>
+                      <a:pPr lvl="0" indent="0" marL="0">
+                        <a:buNone/>
+                      </a:pPr>
+                      <a:r>
+                        <a:rPr/>
+                        <a:t>값</a:t>
+                      </a:r>
+                    </a:p>
+                  </a:txBody>
+                  <a:tcPr/>
+                </a:tc>
+              </a:tr>
+              <a:tr h="0">
+                <a:tc>
+                  <a:txBody>
+                    <a:bodyPr/>
+                    <a:lstStyle/>
+                    <a:p>
+                      <a:pPr lvl="0" indent="0" marL="0">
+                        <a:buNone/>
+                      </a:pPr>
+                      <a:r>
+                        <a:rPr/>
+                        <a:t>행 수</a:t>
+                      </a:r>
+                    </a:p>
+                  </a:txBody>
+                </a:tc>
+                <a:tc>
+                  <a:txBody>
+                    <a:bodyPr/>
+                    <a:lstStyle/>
+                    <a:p>
+                      <a:pPr lvl="0" indent="0" marL="0">
+                        <a:buNone/>
+                      </a:pPr>
+                      <a:r>
+                        <a:rPr/>
+                        <a:t>344</a:t>
+                      </a:r>
+                    </a:p>
+                  </a:txBody>
+                </a:tc>
+              </a:tr>
+              <a:tr h="0">
+                <a:tc>
+                  <a:txBody>
+                    <a:bodyPr/>
+                    <a:lstStyle/>
+                    <a:p>
+                      <a:pPr lvl="0" indent="0" marL="0">
+                        <a:buNone/>
+                      </a:pPr>
+                      <a:r>
+                        <a:rPr/>
+                        <a:t>열 수</a:t>
+                      </a:r>
+                    </a:p>
+                  </a:txBody>
+                </a:tc>
+                <a:tc>
+                  <a:txBody>
+                    <a:bodyPr/>
+                    <a:lstStyle/>
+                    <a:p>
+                      <a:pPr lvl="0" indent="0" marL="0">
+                        <a:buNone/>
+                      </a:pPr>
+                      <a:r>
+                        <a:rPr/>
+                        <a:t>7</a:t>
+                      </a:r>
+                    </a:p>
+                  </a:txBody>
+                </a:tc>
+              </a:tr>
+              <a:tr h="0">
+                <a:tc>
+                  <a:txBody>
+                    <a:bodyPr/>
+                    <a:lstStyle/>
+                    <a:p>
+                      <a:pPr lvl="0" indent="0" marL="0">
+                        <a:buNone/>
+                      </a:pPr>
+                      <a:r>
+                        <a:rPr/>
+                        <a:t>데이터 타입</a:t>
+                      </a:r>
+                    </a:p>
+                  </a:txBody>
+                </a:tc>
+                <a:tc>
+                  <a:txBody>
+                    <a:bodyPr/>
+                    <a:lstStyle/>
+                    <a:p>
+                      <a:pPr lvl="0" indent="0" marL="0">
+                        <a:buNone/>
+                      </a:pPr>
+                      <a:r>
+                        <a:rPr/>
+                        <a:t>float64(4), object(3)</a:t>
+                      </a:r>
+                    </a:p>
+                  </a:txBody>
+                </a:tc>
+              </a:tr>
+              <a:tr h="0">
+                <a:tc>
+                  <a:txBody>
+                    <a:bodyPr/>
+                    <a:lstStyle/>
+                    <a:p>
+                      <a:pPr lvl="0" indent="0" marL="0">
+                        <a:buNone/>
+                      </a:pPr>
+                      <a:r>
+                        <a:rPr/>
+                        <a:t>메모리 사용량</a:t>
+                      </a:r>
+                    </a:p>
+                  </a:txBody>
+                </a:tc>
+                <a:tc>
+                  <a:txBody>
+                    <a:bodyPr/>
+                    <a:lstStyle/>
+                    <a:p>
+                      <a:pPr lvl="0" indent="0" marL="0">
+                        <a:buNone/>
+                      </a:pPr>
+                      <a:r>
+                        <a:rPr/>
+                        <a:t>18.9+ KB</a:t>
+                      </a:r>
+                    </a:p>
+                  </a:txBody>
+                </a:tc>
+              </a:tr>
+            </a:tbl>
+          </a:graphicData>
+        </a:graphic>
+      </p:graphicFrame>
     </p:spTree>
   </p:cSld>
 </p:sld>
@@ -7873,7 +9279,12 @@
             <p:ph type="title"/>
           </p:nvPr>
         </p:nvSpPr>
-        <p:spPr/>
+        <p:spPr>
+          <a:xfrm>
+            <a:off x="457201" y="204787"/>
+            <a:ext cx="3008313" cy="871538"/>
+          </a:xfrm>
+        </p:spPr>
         <p:txBody>
           <a:bodyPr/>
           <a:lstStyle/>
@@ -7890,12 +9301,12 @@
       </p:sp>
       <p:sp>
         <p:nvSpPr>
-          <p:cNvPr id="3" name="Content Placeholder 2"/>
-          <p:cNvSpPr>
-            <a:spLocks noGrp="1"/>
-          </p:cNvSpPr>
-          <p:nvPr>
-            <p:ph idx="1"/>
+          <p:cNvPr id="4" name="Text Placeholder 3"/>
+          <p:cNvSpPr>
+            <a:spLocks noGrp="1"/>
+          </p:cNvSpPr>
+          <p:nvPr>
+            <p:ph idx="2" sz="half" type="body"/>
           </p:nvPr>
         </p:nvSpPr>
         <p:spPr/>
@@ -7914,63 +9325,1079 @@
               <a:t>데이터셋 설명</a:t>
             </a:r>
           </a:p>
-          <a:p>
-            <a:pPr lvl="0" indent="0">
-              <a:buNone/>
-            </a:pPr>
-            <a:r>
-              <a:rPr>
-                <a:latin typeface="Courier"/>
-              </a:rPr>
-              <a:t>       bill_length_mm  bill_depth_mm  flipper_length_mm  body_mass_g
-count      342.000000     342.000000         342.000000   342.000000
-mean        43.921930      17.151170         200.915205  4201.754386
-std          5.459584       1.974793          14.061714   801.954536
-min         32.100000      13.100000         172.000000  2700.000000
-25%         39.225000      15.600000         190.000000  3550.000000
-50%         44.450000      17.300000         197.000000  4050.000000
-75%         48.500000      18.700000         213.000000  4750.000000
-max         59.600000      21.500000         231.000000  6300.000000</a:t>
-            </a:r>
-          </a:p>
-          <a:p>
-            <a:pPr lvl="0" indent="0" marL="0">
-              <a:spcBef>
-                <a:spcPts val="3000"/>
-              </a:spcBef>
-              <a:buNone/>
-            </a:pPr>
-            <a:r>
-              <a:rPr b="1"/>
-              <a:t>결측치</a:t>
-            </a:r>
-          </a:p>
-          <a:p>
-            <a:pPr lvl="0" indent="0">
-              <a:buNone/>
-            </a:pPr>
-            <a:r>
-              <a:rPr>
-                <a:latin typeface="Courier"/>
-              </a:rPr>
-              <a:t>species               0
-island                0
-bill_length_mm        2
-bill_depth_mm         2
-flipper_length_mm     2
-body_mass_g           2
-sex                  11
-dtype: int64</a:t>
-            </a:r>
-          </a:p>
-        </p:txBody>
-      </p:sp>
+        </p:txBody>
+      </p:sp>
+      <p:graphicFrame>
+        <p:nvGraphicFramePr>
+          <p:cNvPr id="6" name="Content Placeholder 5"/>
+          <p:cNvGraphicFramePr>
+            <a:graphicFrameLocks noGrp="1"/>
+          </p:cNvGraphicFramePr>
+          <p:nvPr>
+            <p:ph idx="1"/>
+          </p:nvPr>
+        </p:nvGraphicFramePr>
+        <p:xfrm>
+          <a:off x="3568700" y="203200"/>
+          <a:ext cx="5105400" cy="4381500"/>
+        </p:xfrm>
+        <a:graphic>
+          <a:graphicData uri="http://schemas.openxmlformats.org/drawingml/2006/table">
+            <a:tbl>
+              <a:tblPr firstRow="1" bandRow="1">
+                <a:tableStyleId>{5C22544A-7EE6-4342-B048-85BDC9FD1C3A}</a:tableStyleId>
+              </a:tblPr>
+              <a:tblGrid>
+                <a:gridCol w="558800"/>
+                <a:gridCol w="558800"/>
+                <a:gridCol w="558800"/>
+                <a:gridCol w="558800"/>
+                <a:gridCol w="558800"/>
+                <a:gridCol w="558800"/>
+                <a:gridCol w="558800"/>
+                <a:gridCol w="558800"/>
+                <a:gridCol w="558800"/>
+              </a:tblGrid>
+              <a:tr h="0">
+                <a:tc>
+                  <a:txBody>
+                    <a:bodyPr/>
+                    <a:lstStyle/>
+                    <a:p>
+                      <a:pPr lvl="0" indent="0" marL="0">
+                        <a:buNone/>
+                      </a:pPr>
+                      <a:r>
+                        <a:rPr/>
+                        <a:t>변수</a:t>
+                      </a:r>
+                    </a:p>
+                  </a:txBody>
+                  <a:tcPr/>
+                </a:tc>
+                <a:tc>
+                  <a:txBody>
+                    <a:bodyPr/>
+                    <a:lstStyle/>
+                    <a:p>
+                      <a:pPr lvl="0" indent="0" marL="0">
+                        <a:buNone/>
+                      </a:pPr>
+                      <a:r>
+                        <a:rPr/>
+                        <a:t>개수</a:t>
+                      </a:r>
+                    </a:p>
+                  </a:txBody>
+                  <a:tcPr/>
+                </a:tc>
+                <a:tc>
+                  <a:txBody>
+                    <a:bodyPr/>
+                    <a:lstStyle/>
+                    <a:p>
+                      <a:pPr lvl="0" indent="0" marL="0">
+                        <a:buNone/>
+                      </a:pPr>
+                      <a:r>
+                        <a:rPr/>
+                        <a:t>평균</a:t>
+                      </a:r>
+                    </a:p>
+                  </a:txBody>
+                  <a:tcPr/>
+                </a:tc>
+                <a:tc>
+                  <a:txBody>
+                    <a:bodyPr/>
+                    <a:lstStyle/>
+                    <a:p>
+                      <a:pPr lvl="0" indent="0" marL="0">
+                        <a:buNone/>
+                      </a:pPr>
+                      <a:r>
+                        <a:rPr/>
+                        <a:t>표준편차</a:t>
+                      </a:r>
+                    </a:p>
+                  </a:txBody>
+                  <a:tcPr/>
+                </a:tc>
+                <a:tc>
+                  <a:txBody>
+                    <a:bodyPr/>
+                    <a:lstStyle/>
+                    <a:p>
+                      <a:pPr lvl="0" indent="0" marL="0">
+                        <a:buNone/>
+                      </a:pPr>
+                      <a:r>
+                        <a:rPr/>
+                        <a:t>최소</a:t>
+                      </a:r>
+                    </a:p>
+                  </a:txBody>
+                  <a:tcPr/>
+                </a:tc>
+                <a:tc>
+                  <a:txBody>
+                    <a:bodyPr/>
+                    <a:lstStyle/>
+                    <a:p>
+                      <a:pPr lvl="0" indent="0" marL="0">
+                        <a:buNone/>
+                      </a:pPr>
+                      <a:r>
+                        <a:rPr/>
+                        <a:t>25%</a:t>
+                      </a:r>
+                    </a:p>
+                  </a:txBody>
+                  <a:tcPr/>
+                </a:tc>
+                <a:tc>
+                  <a:txBody>
+                    <a:bodyPr/>
+                    <a:lstStyle/>
+                    <a:p>
+                      <a:pPr lvl="0" indent="0" marL="0">
+                        <a:buNone/>
+                      </a:pPr>
+                      <a:r>
+                        <a:rPr/>
+                        <a:t>50%</a:t>
+                      </a:r>
+                    </a:p>
+                  </a:txBody>
+                  <a:tcPr/>
+                </a:tc>
+                <a:tc>
+                  <a:txBody>
+                    <a:bodyPr/>
+                    <a:lstStyle/>
+                    <a:p>
+                      <a:pPr lvl="0" indent="0" marL="0">
+                        <a:buNone/>
+                      </a:pPr>
+                      <a:r>
+                        <a:rPr/>
+                        <a:t>75%</a:t>
+                      </a:r>
+                    </a:p>
+                  </a:txBody>
+                  <a:tcPr/>
+                </a:tc>
+                <a:tc>
+                  <a:txBody>
+                    <a:bodyPr/>
+                    <a:lstStyle/>
+                    <a:p>
+                      <a:pPr lvl="0" indent="0" marL="0">
+                        <a:buNone/>
+                      </a:pPr>
+                      <a:r>
+                        <a:rPr/>
+                        <a:t>최대</a:t>
+                      </a:r>
+                    </a:p>
+                  </a:txBody>
+                  <a:tcPr/>
+                </a:tc>
+              </a:tr>
+              <a:tr h="0">
+                <a:tc>
+                  <a:txBody>
+                    <a:bodyPr/>
+                    <a:lstStyle/>
+                    <a:p>
+                      <a:pPr lvl="0" indent="0" marL="0">
+                        <a:buNone/>
+                      </a:pPr>
+                      <a:r>
+                        <a:rPr/>
+                        <a:t>bill_length_mm</a:t>
+                      </a:r>
+                    </a:p>
+                  </a:txBody>
+                </a:tc>
+                <a:tc>
+                  <a:txBody>
+                    <a:bodyPr/>
+                    <a:lstStyle/>
+                    <a:p>
+                      <a:pPr lvl="0" indent="0" marL="0">
+                        <a:buNone/>
+                      </a:pPr>
+                      <a:r>
+                        <a:rPr/>
+                        <a:t>342</a:t>
+                      </a:r>
+                    </a:p>
+                  </a:txBody>
+                </a:tc>
+                <a:tc>
+                  <a:txBody>
+                    <a:bodyPr/>
+                    <a:lstStyle/>
+                    <a:p>
+                      <a:pPr lvl="0" indent="0" marL="0">
+                        <a:buNone/>
+                      </a:pPr>
+                      <a:r>
+                        <a:rPr/>
+                        <a:t>43.92</a:t>
+                      </a:r>
+                    </a:p>
+                  </a:txBody>
+                </a:tc>
+                <a:tc>
+                  <a:txBody>
+                    <a:bodyPr/>
+                    <a:lstStyle/>
+                    <a:p>
+                      <a:pPr lvl="0" indent="0" marL="0">
+                        <a:buNone/>
+                      </a:pPr>
+                      <a:r>
+                        <a:rPr/>
+                        <a:t>5.46</a:t>
+                      </a:r>
+                    </a:p>
+                  </a:txBody>
+                </a:tc>
+                <a:tc>
+                  <a:txBody>
+                    <a:bodyPr/>
+                    <a:lstStyle/>
+                    <a:p>
+                      <a:pPr lvl="0" indent="0" marL="0">
+                        <a:buNone/>
+                      </a:pPr>
+                      <a:r>
+                        <a:rPr/>
+                        <a:t>32.1</a:t>
+                      </a:r>
+                    </a:p>
+                  </a:txBody>
+                </a:tc>
+                <a:tc>
+                  <a:txBody>
+                    <a:bodyPr/>
+                    <a:lstStyle/>
+                    <a:p>
+                      <a:pPr lvl="0" indent="0" marL="0">
+                        <a:buNone/>
+                      </a:pPr>
+                      <a:r>
+                        <a:rPr/>
+                        <a:t>39.2</a:t>
+                      </a:r>
+                    </a:p>
+                  </a:txBody>
+                </a:tc>
+                <a:tc>
+                  <a:txBody>
+                    <a:bodyPr/>
+                    <a:lstStyle/>
+                    <a:p>
+                      <a:pPr lvl="0" indent="0" marL="0">
+                        <a:buNone/>
+                      </a:pPr>
+                      <a:r>
+                        <a:rPr/>
+                        <a:t>44.5</a:t>
+                      </a:r>
+                    </a:p>
+                  </a:txBody>
+                </a:tc>
+                <a:tc>
+                  <a:txBody>
+                    <a:bodyPr/>
+                    <a:lstStyle/>
+                    <a:p>
+                      <a:pPr lvl="0" indent="0" marL="0">
+                        <a:buNone/>
+                      </a:pPr>
+                      <a:r>
+                        <a:rPr/>
+                        <a:t>48.5</a:t>
+                      </a:r>
+                    </a:p>
+                  </a:txBody>
+                </a:tc>
+                <a:tc>
+                  <a:txBody>
+                    <a:bodyPr/>
+                    <a:lstStyle/>
+                    <a:p>
+                      <a:pPr lvl="0" indent="0" marL="0">
+                        <a:buNone/>
+                      </a:pPr>
+                      <a:r>
+                        <a:rPr/>
+                        <a:t>59.6</a:t>
+                      </a:r>
+                    </a:p>
+                  </a:txBody>
+                </a:tc>
+              </a:tr>
+              <a:tr h="0">
+                <a:tc>
+                  <a:txBody>
+                    <a:bodyPr/>
+                    <a:lstStyle/>
+                    <a:p>
+                      <a:pPr lvl="0" indent="0" marL="0">
+                        <a:buNone/>
+                      </a:pPr>
+                      <a:r>
+                        <a:rPr/>
+                        <a:t>bill_depth_mm</a:t>
+                      </a:r>
+                    </a:p>
+                  </a:txBody>
+                </a:tc>
+                <a:tc>
+                  <a:txBody>
+                    <a:bodyPr/>
+                    <a:lstStyle/>
+                    <a:p>
+                      <a:pPr lvl="0" indent="0" marL="0">
+                        <a:buNone/>
+                      </a:pPr>
+                      <a:r>
+                        <a:rPr/>
+                        <a:t>342</a:t>
+                      </a:r>
+                    </a:p>
+                  </a:txBody>
+                </a:tc>
+                <a:tc>
+                  <a:txBody>
+                    <a:bodyPr/>
+                    <a:lstStyle/>
+                    <a:p>
+                      <a:pPr lvl="0" indent="0" marL="0">
+                        <a:buNone/>
+                      </a:pPr>
+                      <a:r>
+                        <a:rPr/>
+                        <a:t>17.15</a:t>
+                      </a:r>
+                    </a:p>
+                  </a:txBody>
+                </a:tc>
+                <a:tc>
+                  <a:txBody>
+                    <a:bodyPr/>
+                    <a:lstStyle/>
+                    <a:p>
+                      <a:pPr lvl="0" indent="0" marL="0">
+                        <a:buNone/>
+                      </a:pPr>
+                      <a:r>
+                        <a:rPr/>
+                        <a:t>1.97</a:t>
+                      </a:r>
+                    </a:p>
+                  </a:txBody>
+                </a:tc>
+                <a:tc>
+                  <a:txBody>
+                    <a:bodyPr/>
+                    <a:lstStyle/>
+                    <a:p>
+                      <a:pPr lvl="0" indent="0" marL="0">
+                        <a:buNone/>
+                      </a:pPr>
+                      <a:r>
+                        <a:rPr/>
+                        <a:t>13.1</a:t>
+                      </a:r>
+                    </a:p>
+                  </a:txBody>
+                </a:tc>
+                <a:tc>
+                  <a:txBody>
+                    <a:bodyPr/>
+                    <a:lstStyle/>
+                    <a:p>
+                      <a:pPr lvl="0" indent="0" marL="0">
+                        <a:buNone/>
+                      </a:pPr>
+                      <a:r>
+                        <a:rPr/>
+                        <a:t>15.6</a:t>
+                      </a:r>
+                    </a:p>
+                  </a:txBody>
+                </a:tc>
+                <a:tc>
+                  <a:txBody>
+                    <a:bodyPr/>
+                    <a:lstStyle/>
+                    <a:p>
+                      <a:pPr lvl="0" indent="0" marL="0">
+                        <a:buNone/>
+                      </a:pPr>
+                      <a:r>
+                        <a:rPr/>
+                        <a:t>17.3</a:t>
+                      </a:r>
+                    </a:p>
+                  </a:txBody>
+                </a:tc>
+                <a:tc>
+                  <a:txBody>
+                    <a:bodyPr/>
+                    <a:lstStyle/>
+                    <a:p>
+                      <a:pPr lvl="0" indent="0" marL="0">
+                        <a:buNone/>
+                      </a:pPr>
+                      <a:r>
+                        <a:rPr/>
+                        <a:t>18.7</a:t>
+                      </a:r>
+                    </a:p>
+                  </a:txBody>
+                </a:tc>
+                <a:tc>
+                  <a:txBody>
+                    <a:bodyPr/>
+                    <a:lstStyle/>
+                    <a:p>
+                      <a:pPr lvl="0" indent="0" marL="0">
+                        <a:buNone/>
+                      </a:pPr>
+                      <a:r>
+                        <a:rPr/>
+                        <a:t>21.5</a:t>
+                      </a:r>
+                    </a:p>
+                  </a:txBody>
+                </a:tc>
+              </a:tr>
+              <a:tr h="0">
+                <a:tc>
+                  <a:txBody>
+                    <a:bodyPr/>
+                    <a:lstStyle/>
+                    <a:p>
+                      <a:pPr lvl="0" indent="0" marL="0">
+                        <a:buNone/>
+                      </a:pPr>
+                      <a:r>
+                        <a:rPr/>
+                        <a:t>flipper_length_mm</a:t>
+                      </a:r>
+                    </a:p>
+                  </a:txBody>
+                </a:tc>
+                <a:tc>
+                  <a:txBody>
+                    <a:bodyPr/>
+                    <a:lstStyle/>
+                    <a:p>
+                      <a:pPr lvl="0" indent="0" marL="0">
+                        <a:buNone/>
+                      </a:pPr>
+                      <a:r>
+                        <a:rPr/>
+                        <a:t>342</a:t>
+                      </a:r>
+                    </a:p>
+                  </a:txBody>
+                </a:tc>
+                <a:tc>
+                  <a:txBody>
+                    <a:bodyPr/>
+                    <a:lstStyle/>
+                    <a:p>
+                      <a:pPr lvl="0" indent="0" marL="0">
+                        <a:buNone/>
+                      </a:pPr>
+                      <a:r>
+                        <a:rPr/>
+                        <a:t>200.92</a:t>
+                      </a:r>
+                    </a:p>
+                  </a:txBody>
+                </a:tc>
+                <a:tc>
+                  <a:txBody>
+                    <a:bodyPr/>
+                    <a:lstStyle/>
+                    <a:p>
+                      <a:pPr lvl="0" indent="0" marL="0">
+                        <a:buNone/>
+                      </a:pPr>
+                      <a:r>
+                        <a:rPr/>
+                        <a:t>14.06</a:t>
+                      </a:r>
+                    </a:p>
+                  </a:txBody>
+                </a:tc>
+                <a:tc>
+                  <a:txBody>
+                    <a:bodyPr/>
+                    <a:lstStyle/>
+                    <a:p>
+                      <a:pPr lvl="0" indent="0" marL="0">
+                        <a:buNone/>
+                      </a:pPr>
+                      <a:r>
+                        <a:rPr/>
+                        <a:t>172</a:t>
+                      </a:r>
+                    </a:p>
+                  </a:txBody>
+                </a:tc>
+                <a:tc>
+                  <a:txBody>
+                    <a:bodyPr/>
+                    <a:lstStyle/>
+                    <a:p>
+                      <a:pPr lvl="0" indent="0" marL="0">
+                        <a:buNone/>
+                      </a:pPr>
+                      <a:r>
+                        <a:rPr/>
+                        <a:t>190</a:t>
+                      </a:r>
+                    </a:p>
+                  </a:txBody>
+                </a:tc>
+                <a:tc>
+                  <a:txBody>
+                    <a:bodyPr/>
+                    <a:lstStyle/>
+                    <a:p>
+                      <a:pPr lvl="0" indent="0" marL="0">
+                        <a:buNone/>
+                      </a:pPr>
+                      <a:r>
+                        <a:rPr/>
+                        <a:t>197</a:t>
+                      </a:r>
+                    </a:p>
+                  </a:txBody>
+                </a:tc>
+                <a:tc>
+                  <a:txBody>
+                    <a:bodyPr/>
+                    <a:lstStyle/>
+                    <a:p>
+                      <a:pPr lvl="0" indent="0" marL="0">
+                        <a:buNone/>
+                      </a:pPr>
+                      <a:r>
+                        <a:rPr/>
+                        <a:t>213</a:t>
+                      </a:r>
+                    </a:p>
+                  </a:txBody>
+                </a:tc>
+                <a:tc>
+                  <a:txBody>
+                    <a:bodyPr/>
+                    <a:lstStyle/>
+                    <a:p>
+                      <a:pPr lvl="0" indent="0" marL="0">
+                        <a:buNone/>
+                      </a:pPr>
+                      <a:r>
+                        <a:rPr/>
+                        <a:t>231</a:t>
+                      </a:r>
+                    </a:p>
+                  </a:txBody>
+                </a:tc>
+              </a:tr>
+              <a:tr h="0">
+                <a:tc>
+                  <a:txBody>
+                    <a:bodyPr/>
+                    <a:lstStyle/>
+                    <a:p>
+                      <a:pPr lvl="0" indent="0" marL="0">
+                        <a:buNone/>
+                      </a:pPr>
+                      <a:r>
+                        <a:rPr/>
+                        <a:t>body_mass_g</a:t>
+                      </a:r>
+                    </a:p>
+                  </a:txBody>
+                </a:tc>
+                <a:tc>
+                  <a:txBody>
+                    <a:bodyPr/>
+                    <a:lstStyle/>
+                    <a:p>
+                      <a:pPr lvl="0" indent="0" marL="0">
+                        <a:buNone/>
+                      </a:pPr>
+                      <a:r>
+                        <a:rPr/>
+                        <a:t>342</a:t>
+                      </a:r>
+                    </a:p>
+                  </a:txBody>
+                </a:tc>
+                <a:tc>
+                  <a:txBody>
+                    <a:bodyPr/>
+                    <a:lstStyle/>
+                    <a:p>
+                      <a:pPr lvl="0" indent="0" marL="0">
+                        <a:buNone/>
+                      </a:pPr>
+                      <a:r>
+                        <a:rPr/>
+                        <a:t>4201.75</a:t>
+                      </a:r>
+                    </a:p>
+                  </a:txBody>
+                </a:tc>
+                <a:tc>
+                  <a:txBody>
+                    <a:bodyPr/>
+                    <a:lstStyle/>
+                    <a:p>
+                      <a:pPr lvl="0" indent="0" marL="0">
+                        <a:buNone/>
+                      </a:pPr>
+                      <a:r>
+                        <a:rPr/>
+                        <a:t>801.95</a:t>
+                      </a:r>
+                    </a:p>
+                  </a:txBody>
+                </a:tc>
+                <a:tc>
+                  <a:txBody>
+                    <a:bodyPr/>
+                    <a:lstStyle/>
+                    <a:p>
+                      <a:pPr lvl="0" indent="0" marL="0">
+                        <a:buNone/>
+                      </a:pPr>
+                      <a:r>
+                        <a:rPr/>
+                        <a:t>2700</a:t>
+                      </a:r>
+                    </a:p>
+                  </a:txBody>
+                </a:tc>
+                <a:tc>
+                  <a:txBody>
+                    <a:bodyPr/>
+                    <a:lstStyle/>
+                    <a:p>
+                      <a:pPr lvl="0" indent="0" marL="0">
+                        <a:buNone/>
+                      </a:pPr>
+                      <a:r>
+                        <a:rPr/>
+                        <a:t>3550</a:t>
+                      </a:r>
+                    </a:p>
+                  </a:txBody>
+                </a:tc>
+                <a:tc>
+                  <a:txBody>
+                    <a:bodyPr/>
+                    <a:lstStyle/>
+                    <a:p>
+                      <a:pPr lvl="0" indent="0" marL="0">
+                        <a:buNone/>
+                      </a:pPr>
+                      <a:r>
+                        <a:rPr/>
+                        <a:t>4050</a:t>
+                      </a:r>
+                    </a:p>
+                  </a:txBody>
+                </a:tc>
+                <a:tc>
+                  <a:txBody>
+                    <a:bodyPr/>
+                    <a:lstStyle/>
+                    <a:p>
+                      <a:pPr lvl="0" indent="0" marL="0">
+                        <a:buNone/>
+                      </a:pPr>
+                      <a:r>
+                        <a:rPr/>
+                        <a:t>4750</a:t>
+                      </a:r>
+                    </a:p>
+                  </a:txBody>
+                </a:tc>
+                <a:tc>
+                  <a:txBody>
+                    <a:bodyPr/>
+                    <a:lstStyle/>
+                    <a:p>
+                      <a:pPr lvl="0" indent="0" marL="0">
+                        <a:buNone/>
+                      </a:pPr>
+                      <a:r>
+                        <a:rPr/>
+                        <a:t>6300</a:t>
+                      </a:r>
+                    </a:p>
+                  </a:txBody>
+                </a:tc>
+              </a:tr>
+            </a:tbl>
+          </a:graphicData>
+        </a:graphic>
+      </p:graphicFrame>
     </p:spTree>
   </p:cSld>
 </p:sld>
 </file>
 
 <file path=ppt/slides/slide6.xml><?xml version="1.0" encoding="utf-8"?>
+<p:sld xmlns:a="http://schemas.openxmlformats.org/drawingml/2006/main" xmlns:r="http://schemas.openxmlformats.org/officeDocument/2006/relationships" xmlns:p="http://schemas.openxmlformats.org/presentationml/2006/main">
+  <p:cSld>
+    <p:spTree>
+      <p:nvGrpSpPr>
+        <p:cNvPr id="1" name=""/>
+        <p:cNvGrpSpPr/>
+        <p:nvPr/>
+      </p:nvGrpSpPr>
+      <p:grpSpPr>
+        <a:xfrm>
+          <a:off x="0" y="0"/>
+          <a:ext cx="0" cy="0"/>
+          <a:chOff x="0" y="0"/>
+          <a:chExt cx="0" cy="0"/>
+        </a:xfrm>
+      </p:grpSpPr>
+      <p:sp>
+        <p:nvSpPr>
+          <p:cNvPr id="4" name="Text Placeholder 3"/>
+          <p:cNvSpPr>
+            <a:spLocks noGrp="1"/>
+          </p:cNvSpPr>
+          <p:nvPr>
+            <p:ph idx="2" sz="half" type="body"/>
+          </p:nvPr>
+        </p:nvSpPr>
+        <p:spPr/>
+        <p:txBody>
+          <a:bodyPr/>
+          <a:lstStyle/>
+          <a:p>
+            <a:pPr lvl="0" indent="0" marL="0">
+              <a:spcBef>
+                <a:spcPts val="3000"/>
+              </a:spcBef>
+              <a:buNone/>
+            </a:pPr>
+            <a:r>
+              <a:rPr b="1"/>
+              <a:t>결측치</a:t>
+            </a:r>
+          </a:p>
+        </p:txBody>
+      </p:sp>
+      <p:graphicFrame>
+        <p:nvGraphicFramePr>
+          <p:cNvPr id="6" name="Content Placeholder 5"/>
+          <p:cNvGraphicFramePr>
+            <a:graphicFrameLocks noGrp="1"/>
+          </p:cNvGraphicFramePr>
+          <p:nvPr>
+            <p:ph idx="1"/>
+          </p:nvPr>
+        </p:nvGraphicFramePr>
+        <p:xfrm>
+          <a:off x="3568700" y="203200"/>
+          <a:ext cx="5105400" cy="4381500"/>
+        </p:xfrm>
+        <a:graphic>
+          <a:graphicData uri="http://schemas.openxmlformats.org/drawingml/2006/table">
+            <a:tbl>
+              <a:tblPr firstRow="1" bandRow="1">
+                <a:tableStyleId>{5C22544A-7EE6-4342-B048-85BDC9FD1C3A}</a:tableStyleId>
+              </a:tblPr>
+              <a:tblGrid>
+                <a:gridCol w="2552700"/>
+                <a:gridCol w="2552700"/>
+              </a:tblGrid>
+              <a:tr h="0">
+                <a:tc>
+                  <a:txBody>
+                    <a:bodyPr/>
+                    <a:lstStyle/>
+                    <a:p>
+                      <a:pPr lvl="0" indent="0" marL="0">
+                        <a:buNone/>
+                      </a:pPr>
+                      <a:r>
+                        <a:rPr/>
+                        <a:t>변수</a:t>
+                      </a:r>
+                    </a:p>
+                  </a:txBody>
+                  <a:tcPr/>
+                </a:tc>
+                <a:tc>
+                  <a:txBody>
+                    <a:bodyPr/>
+                    <a:lstStyle/>
+                    <a:p>
+                      <a:pPr lvl="0" indent="0" marL="0">
+                        <a:buNone/>
+                      </a:pPr>
+                      <a:r>
+                        <a:rPr/>
+                        <a:t>결측치 수</a:t>
+                      </a:r>
+                    </a:p>
+                  </a:txBody>
+                  <a:tcPr/>
+                </a:tc>
+              </a:tr>
+              <a:tr h="0">
+                <a:tc>
+                  <a:txBody>
+                    <a:bodyPr/>
+                    <a:lstStyle/>
+                    <a:p>
+                      <a:pPr lvl="0" indent="0" marL="0">
+                        <a:buNone/>
+                      </a:pPr>
+                      <a:r>
+                        <a:rPr/>
+                        <a:t>species</a:t>
+                      </a:r>
+                    </a:p>
+                  </a:txBody>
+                </a:tc>
+                <a:tc>
+                  <a:txBody>
+                    <a:bodyPr/>
+                    <a:lstStyle/>
+                    <a:p>
+                      <a:pPr lvl="0" indent="0" marL="0">
+                        <a:buNone/>
+                      </a:pPr>
+                      <a:r>
+                        <a:rPr/>
+                        <a:t>0</a:t>
+                      </a:r>
+                    </a:p>
+                  </a:txBody>
+                </a:tc>
+              </a:tr>
+              <a:tr h="0">
+                <a:tc>
+                  <a:txBody>
+                    <a:bodyPr/>
+                    <a:lstStyle/>
+                    <a:p>
+                      <a:pPr lvl="0" indent="0" marL="0">
+                        <a:buNone/>
+                      </a:pPr>
+                      <a:r>
+                        <a:rPr/>
+                        <a:t>island</a:t>
+                      </a:r>
+                    </a:p>
+                  </a:txBody>
+                </a:tc>
+                <a:tc>
+                  <a:txBody>
+                    <a:bodyPr/>
+                    <a:lstStyle/>
+                    <a:p>
+                      <a:pPr lvl="0" indent="0" marL="0">
+                        <a:buNone/>
+                      </a:pPr>
+                      <a:r>
+                        <a:rPr/>
+                        <a:t>0</a:t>
+                      </a:r>
+                    </a:p>
+                  </a:txBody>
+                </a:tc>
+              </a:tr>
+              <a:tr h="0">
+                <a:tc>
+                  <a:txBody>
+                    <a:bodyPr/>
+                    <a:lstStyle/>
+                    <a:p>
+                      <a:pPr lvl="0" indent="0" marL="0">
+                        <a:buNone/>
+                      </a:pPr>
+                      <a:r>
+                        <a:rPr/>
+                        <a:t>bill_length_mm</a:t>
+                      </a:r>
+                    </a:p>
+                  </a:txBody>
+                </a:tc>
+                <a:tc>
+                  <a:txBody>
+                    <a:bodyPr/>
+                    <a:lstStyle/>
+                    <a:p>
+                      <a:pPr lvl="0" indent="0" marL="0">
+                        <a:buNone/>
+                      </a:pPr>
+                      <a:r>
+                        <a:rPr/>
+                        <a:t>2</a:t>
+                      </a:r>
+                    </a:p>
+                  </a:txBody>
+                </a:tc>
+              </a:tr>
+              <a:tr h="0">
+                <a:tc>
+                  <a:txBody>
+                    <a:bodyPr/>
+                    <a:lstStyle/>
+                    <a:p>
+                      <a:pPr lvl="0" indent="0" marL="0">
+                        <a:buNone/>
+                      </a:pPr>
+                      <a:r>
+                        <a:rPr/>
+                        <a:t>bill_depth_mm</a:t>
+                      </a:r>
+                    </a:p>
+                  </a:txBody>
+                </a:tc>
+                <a:tc>
+                  <a:txBody>
+                    <a:bodyPr/>
+                    <a:lstStyle/>
+                    <a:p>
+                      <a:pPr lvl="0" indent="0" marL="0">
+                        <a:buNone/>
+                      </a:pPr>
+                      <a:r>
+                        <a:rPr/>
+                        <a:t>2</a:t>
+                      </a:r>
+                    </a:p>
+                  </a:txBody>
+                </a:tc>
+              </a:tr>
+              <a:tr h="0">
+                <a:tc>
+                  <a:txBody>
+                    <a:bodyPr/>
+                    <a:lstStyle/>
+                    <a:p>
+                      <a:pPr lvl="0" indent="0" marL="0">
+                        <a:buNone/>
+                      </a:pPr>
+                      <a:r>
+                        <a:rPr/>
+                        <a:t>flipper_length_mm</a:t>
+                      </a:r>
+                    </a:p>
+                  </a:txBody>
+                </a:tc>
+                <a:tc>
+                  <a:txBody>
+                    <a:bodyPr/>
+                    <a:lstStyle/>
+                    <a:p>
+                      <a:pPr lvl="0" indent="0" marL="0">
+                        <a:buNone/>
+                      </a:pPr>
+                      <a:r>
+                        <a:rPr/>
+                        <a:t>2</a:t>
+                      </a:r>
+                    </a:p>
+                  </a:txBody>
+                </a:tc>
+              </a:tr>
+              <a:tr h="0">
+                <a:tc>
+                  <a:txBody>
+                    <a:bodyPr/>
+                    <a:lstStyle/>
+                    <a:p>
+                      <a:pPr lvl="0" indent="0" marL="0">
+                        <a:buNone/>
+                      </a:pPr>
+                      <a:r>
+                        <a:rPr/>
+                        <a:t>body_mass_g</a:t>
+                      </a:r>
+                    </a:p>
+                  </a:txBody>
+                </a:tc>
+                <a:tc>
+                  <a:txBody>
+                    <a:bodyPr/>
+                    <a:lstStyle/>
+                    <a:p>
+                      <a:pPr lvl="0" indent="0" marL="0">
+                        <a:buNone/>
+                      </a:pPr>
+                      <a:r>
+                        <a:rPr/>
+                        <a:t>2</a:t>
+                      </a:r>
+                    </a:p>
+                  </a:txBody>
+                </a:tc>
+              </a:tr>
+              <a:tr h="0">
+                <a:tc>
+                  <a:txBody>
+                    <a:bodyPr/>
+                    <a:lstStyle/>
+                    <a:p>
+                      <a:pPr lvl="0" indent="0" marL="0">
+                        <a:buNone/>
+                      </a:pPr>
+                      <a:r>
+                        <a:rPr/>
+                        <a:t>sex</a:t>
+                      </a:r>
+                    </a:p>
+                  </a:txBody>
+                </a:tc>
+                <a:tc>
+                  <a:txBody>
+                    <a:bodyPr/>
+                    <a:lstStyle/>
+                    <a:p>
+                      <a:pPr lvl="0" indent="0" marL="0">
+                        <a:buNone/>
+                      </a:pPr>
+                      <a:r>
+                        <a:rPr/>
+                        <a:t>11</a:t>
+                      </a:r>
+                    </a:p>
+                  </a:txBody>
+                </a:tc>
+              </a:tr>
+            </a:tbl>
+          </a:graphicData>
+        </a:graphic>
+      </p:graphicFrame>
+    </p:spTree>
+  </p:cSld>
+</p:sld>
+</file>
+
+<file path=ppt/slides/slide7.xml><?xml version="1.0" encoding="utf-8"?>
 <p:sld xmlns:a="http://schemas.openxmlformats.org/drawingml/2006/main" xmlns:r="http://schemas.openxmlformats.org/officeDocument/2006/relationships" xmlns:p="http://schemas.openxmlformats.org/presentationml/2006/main">
   <p:cSld>
     <p:spTree>
@@ -8106,7 +10533,7 @@
 </p:sld>
 </file>
 
-<file path=ppt/slides/slide7.xml><?xml version="1.0" encoding="utf-8"?>
+<file path=ppt/slides/slide8.xml><?xml version="1.0" encoding="utf-8"?>
 <p:sld xmlns:a="http://schemas.openxmlformats.org/drawingml/2006/main" xmlns:r="http://schemas.openxmlformats.org/officeDocument/2006/relationships" xmlns:p="http://schemas.openxmlformats.org/presentationml/2006/main">
   <p:cSld>
     <p:spTree>
@@ -8242,7 +10669,7 @@
 </p:sld>
 </file>
 
-<file path=ppt/slides/slide8.xml><?xml version="1.0" encoding="utf-8"?>
+<file path=ppt/slides/slide9.xml><?xml version="1.0" encoding="utf-8"?>
 <p:sld xmlns:a="http://schemas.openxmlformats.org/drawingml/2006/main" xmlns:r="http://schemas.openxmlformats.org/officeDocument/2006/relationships" xmlns:p="http://schemas.openxmlformats.org/presentationml/2006/main">
   <p:cSld>
     <p:spTree>
@@ -8369,142 +10796,6 @@
             <a:r>
               <a:rPr/>
               <a:t> 평균 201mm, Gentoo가 가장 길어 수영 효율 높음. 서식지 적응.</a:t>
-            </a:r>
-          </a:p>
-        </p:txBody>
-      </p:sp>
-    </p:spTree>
-  </p:cSld>
-</p:sld>
-</file>
-
-<file path=ppt/slides/slide9.xml><?xml version="1.0" encoding="utf-8"?>
-<p:sld xmlns:a="http://schemas.openxmlformats.org/drawingml/2006/main" xmlns:r="http://schemas.openxmlformats.org/officeDocument/2006/relationships" xmlns:p="http://schemas.openxmlformats.org/presentationml/2006/main">
-  <p:cSld>
-    <p:spTree>
-      <p:nvGrpSpPr>
-        <p:cNvPr id="1" name=""/>
-        <p:cNvGrpSpPr/>
-        <p:nvPr/>
-      </p:nvGrpSpPr>
-      <p:grpSpPr>
-        <a:xfrm>
-          <a:off x="0" y="0"/>
-          <a:ext cx="0" cy="0"/>
-          <a:chOff x="0" y="0"/>
-          <a:chExt cx="0" cy="0"/>
-        </a:xfrm>
-      </p:grpSpPr>
-      <p:sp>
-        <p:nvSpPr>
-          <p:cNvPr id="2" name="Title 1"/>
-          <p:cNvSpPr>
-            <a:spLocks noGrp="1"/>
-          </p:cNvSpPr>
-          <p:nvPr>
-            <p:ph type="title"/>
-          </p:nvPr>
-        </p:nvSpPr>
-        <p:spPr/>
-        <p:txBody>
-          <a:bodyPr/>
-          <a:lstStyle/>
-          <a:p>
-            <a:pPr lvl="0" indent="0" marL="0">
-              <a:buNone/>
-            </a:pPr>
-            <a:r>
-              <a:rPr/>
-              <a:t>시각화 4: 체중 히스토그램</a:t>
-            </a:r>
-          </a:p>
-        </p:txBody>
-      </p:sp>
-      <p:pic>
-        <p:nvPicPr>
-          <p:cNvPr descr="body_mass_hist.png" id="0" name="Picture 1"/>
-          <p:cNvPicPr>
-            <a:picLocks noGrp="1" noChangeAspect="1"/>
-          </p:cNvPicPr>
-          <p:nvPr/>
-        </p:nvPicPr>
-        <p:blipFill>
-          <a:blip r:embed="rId3"/>
-          <a:stretch>
-            <a:fillRect/>
-          </a:stretch>
-        </p:blipFill>
-        <p:spPr bwMode="auto">
-          <a:xfrm>
-            <a:off x="2654300" y="1193800"/>
-            <a:ext cx="3848100" cy="2882900"/>
-          </a:xfrm>
-          <a:prstGeom prst="rect">
-            <a:avLst/>
-          </a:prstGeom>
-          <a:noFill/>
-          <a:ln w="9525">
-            <a:noFill/>
-            <a:headEnd/>
-            <a:tailEnd/>
-          </a:ln>
-        </p:spPr>
-      </p:pic>
-      <p:sp>
-        <p:nvSpPr>
-          <p:cNvPr id="1" name="TextBox 3"/>
-          <p:cNvSpPr txBox="1"/>
-          <p:nvPr/>
-        </p:nvSpPr>
-        <p:spPr>
-          <a:xfrm>
-            <a:off x="457200" y="4076700"/>
-            <a:ext cx="8229600" cy="508000"/>
-          </a:xfrm>
-          <a:prstGeom prst="rect">
-            <a:avLst/>
-          </a:prstGeom>
-          <a:noFill/>
-        </p:spPr>
-        <p:txBody>
-          <a:bodyPr/>
-          <a:lstStyle/>
-          <a:p>
-            <a:pPr lvl="0" indent="0" marL="0" algn="ctr">
-              <a:buNone/>
-            </a:pPr>
-            <a:r>
-              <a:rPr/>
-              <a:t>체중 히스토그램</a:t>
-            </a:r>
-          </a:p>
-        </p:txBody>
-      </p:sp>
-      <p:sp>
-        <p:nvSpPr>
-          <p:cNvPr id="3" name="Content Placeholder 2"/>
-          <p:cNvSpPr>
-            <a:spLocks noGrp="1"/>
-          </p:cNvSpPr>
-          <p:nvPr>
-            <p:ph idx="1"/>
-          </p:nvPr>
-        </p:nvSpPr>
-        <p:spPr/>
-        <p:txBody>
-          <a:bodyPr/>
-          <a:lstStyle/>
-          <a:p>
-            <a:pPr lvl="0" indent="0" marL="0">
-              <a:buNone/>
-            </a:pPr>
-            <a:r>
-              <a:rPr b="1"/>
-              <a:t>인사이트:</a:t>
-            </a:r>
-            <a:r>
-              <a:rPr/>
-              <a:t> 평균 4202g, Gentoo 무거움. 지방 저장으로 겨울 견딜 수 있음.</a:t>
             </a:r>
           </a:p>
         </p:txBody>
